--- a/design/model/【モデル図】てなロボ★ぷらいまりぃ_2025.pptx
+++ b/design/model/【モデル図】てなロボ★ぷらいまりぃ_2025.pptx
@@ -7249,6 +7249,36 @@
           <a:chExt cx="0" cy="0"/>
         </a:xfrm>
       </p:grpSpPr>
+      <p:pic>
+        <p:nvPicPr>
+          <p:cNvPr id="42" name="図 41">
+            <a:extLst>
+              <a:ext uri="{FF2B5EF4-FFF2-40B4-BE49-F238E27FC236}">
+                <a16:creationId xmlns:a16="http://schemas.microsoft.com/office/drawing/2014/main" id="{DE2E9564-63A5-3E2C-0337-A65B83D9D0BF}"/>
+              </a:ext>
+            </a:extLst>
+          </p:cNvPr>
+          <p:cNvPicPr>
+            <a:picLocks noChangeAspect="1"/>
+          </p:cNvPicPr>
+          <p:nvPr/>
+        </p:nvPicPr>
+        <p:blipFill>
+          <a:blip r:embed="rId2"/>
+          <a:stretch>
+            <a:fillRect/>
+          </a:stretch>
+        </p:blipFill>
+        <p:spPr>
+          <a:xfrm>
+            <a:off x="297104" y="6740630"/>
+            <a:ext cx="5257227" cy="3670995"/>
+          </a:xfrm>
+          <a:prstGeom prst="rect">
+            <a:avLst/>
+          </a:prstGeom>
+        </p:spPr>
+      </p:pic>
       <p:sp>
         <p:nvSpPr>
           <p:cNvPr id="10" name="Rectangle 3">
@@ -7266,7 +7296,7 @@
         <p:spPr bwMode="auto">
           <a:xfrm>
             <a:off x="152495" y="652981"/>
-            <a:ext cx="5853854" cy="9949507"/>
+            <a:ext cx="5559188" cy="9949507"/>
           </a:xfrm>
           <a:prstGeom prst="rect">
             <a:avLst/>
@@ -7474,7 +7504,7 @@
                 <a:latin typeface="UD デジタル 教科書体 NP" panose="02020400000000000000" pitchFamily="18" charset="-128"/>
                 <a:ea typeface="UD デジタル 教科書体 NP" panose="02020400000000000000" pitchFamily="18" charset="-128"/>
               </a:rPr>
-              <a:t>ダブルループにて、ライン交差部で分岐を一度も誤らず</a:t>
+              <a:t>ダブルループにて、ライン交差部で分岐を一度も誤らずにクリア</a:t>
             </a:r>
             <a:endParaRPr lang="en-US" altLang="ja-JP" sz="1400" dirty="0">
               <a:latin typeface="UD デジタル 教科書体 NP" panose="02020400000000000000" pitchFamily="18" charset="-128"/>
@@ -7495,7 +7525,7 @@
                 <a:latin typeface="UD デジタル 教科書体 NP" panose="02020400000000000000" pitchFamily="18" charset="-128"/>
                 <a:ea typeface="UD デジタル 教科書体 NP" panose="02020400000000000000" pitchFamily="18" charset="-128"/>
               </a:rPr>
-              <a:t>にクリアすることを目標とする。</a:t>
+              <a:t>することを目標とする。</a:t>
             </a:r>
             <a:endParaRPr lang="en-US" altLang="ja-JP" sz="1400" dirty="0">
               <a:latin typeface="UD デジタル 教科書体 NP" panose="02020400000000000000" pitchFamily="18" charset="-128"/>
@@ -7503,14 +7533,79 @@
             </a:endParaRPr>
           </a:p>
           <a:p>
-            <a:pPr eaLnBrk="1" hangingPunct="1">
-              <a:lnSpc>
-                <a:spcPct val="80000"/>
-              </a:lnSpc>
-              <a:spcBef>
-                <a:spcPct val="20000"/>
-              </a:spcBef>
-            </a:pPr>
+            <a:pPr marL="0" indent="0"/>
+            <a:r>
+              <a:rPr lang="en-US" altLang="ja-JP" sz="1400" dirty="0">
+                <a:latin typeface="UD デジタル 教科書体 NP" panose="02020400000000000000" pitchFamily="18" charset="-128"/>
+                <a:ea typeface="UD デジタル 教科書体 NP" panose="02020400000000000000" pitchFamily="18" charset="-128"/>
+              </a:rPr>
+              <a:t>【</a:t>
+            </a:r>
+            <a:r>
+              <a:rPr lang="ja-JP" altLang="en-US" sz="1400" dirty="0">
+                <a:latin typeface="UD デジタル 教科書体 NP" panose="02020400000000000000" pitchFamily="18" charset="-128"/>
+                <a:ea typeface="UD デジタル 教科書体 NP" panose="02020400000000000000" pitchFamily="18" charset="-128"/>
+              </a:rPr>
+              <a:t>戦略</a:t>
+            </a:r>
+            <a:r>
+              <a:rPr lang="en-US" altLang="ja-JP" sz="1400" dirty="0">
+                <a:latin typeface="UD デジタル 教科書体 NP" panose="02020400000000000000" pitchFamily="18" charset="-128"/>
+                <a:ea typeface="UD デジタル 教科書体 NP" panose="02020400000000000000" pitchFamily="18" charset="-128"/>
+              </a:rPr>
+              <a:t>】</a:t>
+            </a:r>
+          </a:p>
+          <a:p>
+            <a:pPr marL="0" indent="0"/>
+            <a:r>
+              <a:rPr lang="ja-JP" altLang="en-US" sz="1400" dirty="0">
+                <a:latin typeface="UD デジタル 教科書体 NP" panose="02020400000000000000" pitchFamily="18" charset="-128"/>
+                <a:ea typeface="UD デジタル 教科書体 NP" panose="02020400000000000000" pitchFamily="18" charset="-128"/>
+              </a:rPr>
+              <a:t>ライン交差部にて分岐を誤らないために、交差の前後</a:t>
+            </a:r>
+            <a:r>
+              <a:rPr lang="en-US" altLang="ja-JP" sz="1400" dirty="0">
+                <a:latin typeface="UD デジタル 教科書体 NP" panose="02020400000000000000" pitchFamily="18" charset="-128"/>
+                <a:ea typeface="UD デジタル 教科書体 NP" panose="02020400000000000000" pitchFamily="18" charset="-128"/>
+              </a:rPr>
+              <a:t>(</a:t>
+            </a:r>
+            <a:r>
+              <a:rPr lang="ja-JP" altLang="en-US" sz="1400" dirty="0">
+                <a:solidFill>
+                  <a:srgbClr val="7030A0"/>
+                </a:solidFill>
+                <a:latin typeface="UD デジタル 教科書体 NP" panose="02020400000000000000" pitchFamily="18" charset="-128"/>
+                <a:ea typeface="UD デジタル 教科書体 NP" panose="02020400000000000000" pitchFamily="18" charset="-128"/>
+              </a:rPr>
+              <a:t>④</a:t>
+            </a:r>
+            <a:r>
+              <a:rPr lang="ja-JP" altLang="en-US" sz="1400" dirty="0">
+                <a:solidFill>
+                  <a:srgbClr val="FF0000"/>
+                </a:solidFill>
+                <a:latin typeface="UD デジタル 教科書体 NP" panose="02020400000000000000" pitchFamily="18" charset="-128"/>
+                <a:ea typeface="UD デジタル 教科書体 NP" panose="02020400000000000000" pitchFamily="18" charset="-128"/>
+              </a:rPr>
+              <a:t>⑧⑪⑭</a:t>
+            </a:r>
+            <a:r>
+              <a:rPr lang="en-US" altLang="ja-JP" sz="1400" dirty="0">
+                <a:latin typeface="UD デジタル 教科書体 NP" panose="02020400000000000000" pitchFamily="18" charset="-128"/>
+                <a:ea typeface="UD デジタル 教科書体 NP" panose="02020400000000000000" pitchFamily="18" charset="-128"/>
+              </a:rPr>
+              <a:t>)</a:t>
+            </a:r>
+            <a:r>
+              <a:rPr lang="ja-JP" altLang="en-US" sz="1400" dirty="0">
+                <a:latin typeface="UD デジタル 教科書体 NP" panose="02020400000000000000" pitchFamily="18" charset="-128"/>
+                <a:ea typeface="UD デジタル 教科書体 NP" panose="02020400000000000000" pitchFamily="18" charset="-128"/>
+              </a:rPr>
+              <a:t>ではライントレースに頼らない走行方法を取る。</a:t>
+            </a:r>
             <a:endParaRPr lang="en-US" altLang="ja-JP" sz="1400" dirty="0">
               <a:latin typeface="UD デジタル 教科書体 NP" panose="02020400000000000000" pitchFamily="18" charset="-128"/>
               <a:ea typeface="UD デジタル 教科書体 NP" panose="02020400000000000000" pitchFamily="18" charset="-128"/>
@@ -7519,38 +7614,79 @@
           <a:p>
             <a:pPr marL="0" indent="0"/>
             <a:r>
+              <a:rPr lang="ja-JP" altLang="en-US" sz="1400" dirty="0">
+                <a:latin typeface="UD デジタル 教科書体 NP" panose="02020400000000000000" pitchFamily="18" charset="-128"/>
+                <a:ea typeface="UD デジタル 教科書体 NP" panose="02020400000000000000" pitchFamily="18" charset="-128"/>
+              </a:rPr>
+              <a:t>また、コースに合わせた走行方法の切り替えを行うために、ダブルループ周辺のコースを区間に分割することとした。</a:t>
+            </a:r>
+            <a:r>
               <a:rPr lang="en-US" altLang="ja-JP" sz="1400" dirty="0">
                 <a:latin typeface="UD デジタル 教科書体 NP" panose="02020400000000000000" pitchFamily="18" charset="-128"/>
                 <a:ea typeface="UD デジタル 教科書体 NP" panose="02020400000000000000" pitchFamily="18" charset="-128"/>
               </a:rPr>
-              <a:t>【</a:t>
+              <a:t>(</a:t>
             </a:r>
             <a:r>
               <a:rPr lang="ja-JP" altLang="en-US" sz="1400" dirty="0">
                 <a:latin typeface="UD デジタル 教科書体 NP" panose="02020400000000000000" pitchFamily="18" charset="-128"/>
                 <a:ea typeface="UD デジタル 教科書体 NP" panose="02020400000000000000" pitchFamily="18" charset="-128"/>
               </a:rPr>
-              <a:t>戦略</a:t>
+              <a:t>表</a:t>
             </a:r>
             <a:r>
               <a:rPr lang="en-US" altLang="ja-JP" sz="1400" dirty="0">
                 <a:latin typeface="UD デジタル 教科書体 NP" panose="02020400000000000000" pitchFamily="18" charset="-128"/>
                 <a:ea typeface="UD デジタル 教科書体 NP" panose="02020400000000000000" pitchFamily="18" charset="-128"/>
               </a:rPr>
-              <a:t>】</a:t>
+              <a:t>1.1</a:t>
+            </a:r>
+            <a:r>
+              <a:rPr lang="ja-JP" altLang="en-US" sz="1400" dirty="0">
+                <a:latin typeface="UD デジタル 教科書体 NP" panose="02020400000000000000" pitchFamily="18" charset="-128"/>
+                <a:ea typeface="UD デジタル 教科書体 NP" panose="02020400000000000000" pitchFamily="18" charset="-128"/>
+              </a:rPr>
+              <a:t>区間の走行方法と終了条件、図</a:t>
+            </a:r>
+            <a:r>
+              <a:rPr lang="en-US" altLang="ja-JP" sz="1400" dirty="0">
+                <a:latin typeface="UD デジタル 教科書体 NP" panose="02020400000000000000" pitchFamily="18" charset="-128"/>
+                <a:ea typeface="UD デジタル 教科書体 NP" panose="02020400000000000000" pitchFamily="18" charset="-128"/>
+              </a:rPr>
+              <a:t>1.1</a:t>
+            </a:r>
+            <a:r>
+              <a:rPr lang="ja-JP" altLang="en-US" sz="1400" dirty="0">
+                <a:latin typeface="UD デジタル 教科書体 NP" panose="02020400000000000000" pitchFamily="18" charset="-128"/>
+                <a:ea typeface="UD デジタル 教科書体 NP" panose="02020400000000000000" pitchFamily="18" charset="-128"/>
+              </a:rPr>
+              <a:t>コースの区間分割参照</a:t>
+            </a:r>
+            <a:r>
+              <a:rPr lang="en-US" altLang="ja-JP" sz="1400" dirty="0">
+                <a:latin typeface="UD デジタル 教科書体 NP" panose="02020400000000000000" pitchFamily="18" charset="-128"/>
+                <a:ea typeface="UD デジタル 教科書体 NP" panose="02020400000000000000" pitchFamily="18" charset="-128"/>
+              </a:rPr>
+              <a:t>)</a:t>
             </a:r>
           </a:p>
           <a:p>
             <a:pPr marL="0" indent="0"/>
             <a:r>
               <a:rPr lang="ja-JP" altLang="en-US" sz="1400" dirty="0">
-                <a:latin typeface="UD デジタル 教科書体 NP" panose="02020400000000000000" pitchFamily="18" charset="-128"/>
-                <a:ea typeface="UD デジタル 教科書体 NP" panose="02020400000000000000" pitchFamily="18" charset="-128"/>
-              </a:rPr>
-              <a:t>ライン交差部にて分岐を誤らないために、交差の前後</a:t>
+                <a:solidFill>
+                  <a:srgbClr val="7030A0"/>
+                </a:solidFill>
+                <a:latin typeface="UD デジタル 教科書体 NP" panose="02020400000000000000" pitchFamily="18" charset="-128"/>
+                <a:ea typeface="UD デジタル 教科書体 NP" panose="02020400000000000000" pitchFamily="18" charset="-128"/>
+              </a:rPr>
+              <a:t>進入部</a:t>
             </a:r>
             <a:r>
               <a:rPr lang="en-US" altLang="ja-JP" sz="1400" dirty="0">
+                <a:solidFill>
+                  <a:srgbClr val="7030A0"/>
+                </a:solidFill>
                 <a:latin typeface="UD デジタル 教科書体 NP" panose="02020400000000000000" pitchFamily="18" charset="-128"/>
                 <a:ea typeface="UD デジタル 教科書体 NP" panose="02020400000000000000" pitchFamily="18" charset="-128"/>
               </a:rPr>
@@ -7559,7 +7695,54 @@
             <a:r>
               <a:rPr lang="ja-JP" altLang="en-US" sz="1400" dirty="0">
                 <a:solidFill>
-                  <a:srgbClr val="00B050"/>
+                  <a:srgbClr val="7030A0"/>
+                </a:solidFill>
+                <a:latin typeface="UD デジタル 教科書体 NP" panose="02020400000000000000" pitchFamily="18" charset="-128"/>
+                <a:ea typeface="UD デジタル 教科書体 NP" panose="02020400000000000000" pitchFamily="18" charset="-128"/>
+              </a:rPr>
+              <a:t>④</a:t>
+            </a:r>
+            <a:r>
+              <a:rPr lang="en-US" altLang="ja-JP" sz="1400" dirty="0">
+                <a:solidFill>
+                  <a:srgbClr val="7030A0"/>
+                </a:solidFill>
+                <a:latin typeface="UD デジタル 教科書体 NP" panose="02020400000000000000" pitchFamily="18" charset="-128"/>
+                <a:ea typeface="UD デジタル 教科書体 NP" panose="02020400000000000000" pitchFamily="18" charset="-128"/>
+              </a:rPr>
+              <a:t>)</a:t>
+            </a:r>
+            <a:r>
+              <a:rPr lang="ja-JP" altLang="en-US" sz="1400" dirty="0">
+                <a:latin typeface="UD デジタル 教科書体 NP" panose="02020400000000000000" pitchFamily="18" charset="-128"/>
+                <a:ea typeface="UD デジタル 教科書体 NP" panose="02020400000000000000" pitchFamily="18" charset="-128"/>
+              </a:rPr>
+              <a:t>では、</a:t>
+            </a:r>
+            <a:r>
+              <a:rPr lang="ja-JP" altLang="en-US" sz="1400" dirty="0">
+                <a:solidFill>
+                  <a:schemeClr val="accent2"/>
+                </a:solidFill>
+                <a:latin typeface="UD デジタル 教科書体 NP" panose="02020400000000000000" pitchFamily="18" charset="-128"/>
+                <a:ea typeface="UD デジタル 教科書体 NP" panose="02020400000000000000" pitchFamily="18" charset="-128"/>
+              </a:rPr>
+              <a:t>進行方向の調整</a:t>
+            </a:r>
+            <a:r>
+              <a:rPr lang="en-US" altLang="ja-JP" sz="1400" dirty="0">
+                <a:solidFill>
+                  <a:schemeClr val="accent2"/>
+                </a:solidFill>
+                <a:latin typeface="UD デジタル 教科書体 NP" panose="02020400000000000000" pitchFamily="18" charset="-128"/>
+                <a:ea typeface="UD デジタル 教科書体 NP" panose="02020400000000000000" pitchFamily="18" charset="-128"/>
+              </a:rPr>
+              <a:t>(</a:t>
+            </a:r>
+            <a:r>
+              <a:rPr lang="ja-JP" altLang="en-US" sz="1400" dirty="0">
+                <a:solidFill>
+                  <a:schemeClr val="accent2"/>
                 </a:solidFill>
                 <a:latin typeface="UD デジタル 教科書体 NP" panose="02020400000000000000" pitchFamily="18" charset="-128"/>
                 <a:ea typeface="UD デジタル 教科書体 NP" panose="02020400000000000000" pitchFamily="18" charset="-128"/>
@@ -7567,28 +7750,21 @@
               <a:t>③</a:t>
             </a:r>
             <a:r>
+              <a:rPr lang="en-US" altLang="ja-JP" sz="1400" dirty="0">
+                <a:solidFill>
+                  <a:schemeClr val="accent2"/>
+                </a:solidFill>
+                <a:latin typeface="UD デジタル 教科書体 NP" panose="02020400000000000000" pitchFamily="18" charset="-128"/>
+                <a:ea typeface="UD デジタル 教科書体 NP" panose="02020400000000000000" pitchFamily="18" charset="-128"/>
+              </a:rPr>
+              <a:t>)</a:t>
+            </a:r>
+            <a:r>
               <a:rPr lang="ja-JP" altLang="en-US" sz="1400" dirty="0">
-                <a:solidFill>
-                  <a:srgbClr val="FF0000"/>
-                </a:solidFill>
-                <a:latin typeface="UD デジタル 教科書体 NP" panose="02020400000000000000" pitchFamily="18" charset="-128"/>
-                <a:ea typeface="UD デジタル 教科書体 NP" panose="02020400000000000000" pitchFamily="18" charset="-128"/>
-              </a:rPr>
-              <a:t>⑥⑧⑩</a:t>
-            </a:r>
-            <a:r>
-              <a:rPr lang="en-US" altLang="ja-JP" sz="1400" dirty="0">
-                <a:latin typeface="UD デジタル 教科書体 NP" panose="02020400000000000000" pitchFamily="18" charset="-128"/>
-                <a:ea typeface="UD デジタル 教科書体 NP" panose="02020400000000000000" pitchFamily="18" charset="-128"/>
-              </a:rPr>
-              <a:t>)</a:t>
-            </a:r>
-            <a:r>
-              <a:rPr lang="ja-JP" altLang="en-US" sz="1400" dirty="0">
-                <a:latin typeface="UD デジタル 教科書体 NP" panose="02020400000000000000" pitchFamily="18" charset="-128"/>
-                <a:ea typeface="UD デジタル 教科書体 NP" panose="02020400000000000000" pitchFamily="18" charset="-128"/>
-              </a:rPr>
-              <a:t>ではライントレースに頼らない走行方法を取る。</a:t>
+                <a:latin typeface="UD デジタル 教科書体 NP" panose="02020400000000000000" pitchFamily="18" charset="-128"/>
+                <a:ea typeface="UD デジタル 教科書体 NP" panose="02020400000000000000" pitchFamily="18" charset="-128"/>
+              </a:rPr>
+              <a:t>後に旋回角度を一定に保ったまま走行することで真円に沿った旋回走行を行う。</a:t>
             </a:r>
             <a:endParaRPr lang="en-US" altLang="ja-JP" sz="1400" dirty="0">
               <a:latin typeface="UD デジタル 教科書体 NP" panose="02020400000000000000" pitchFamily="18" charset="-128"/>
@@ -7602,10 +7778,37 @@
                 <a:latin typeface="UD デジタル 教科書体 NP" panose="02020400000000000000" pitchFamily="18" charset="-128"/>
                 <a:ea typeface="UD デジタル 教科書体 NP" panose="02020400000000000000" pitchFamily="18" charset="-128"/>
               </a:rPr>
-              <a:t>また、コースに合わせた走行方法の切り替えを行うために、ダブルループ周辺のコースを区間に分割することとした。</a:t>
+              <a:t>旋回時は円の内側を走行するように調整を行い、</a:t>
+            </a:r>
+            <a:r>
+              <a:rPr lang="en-US" altLang="ja-JP" sz="1400" dirty="0" err="1">
+                <a:latin typeface="UD デジタル 教科書体 NP" panose="02020400000000000000" pitchFamily="18" charset="-128"/>
+                <a:ea typeface="UD デジタル 教科書体 NP" panose="02020400000000000000" pitchFamily="18" charset="-128"/>
+              </a:rPr>
+              <a:t>XXcm</a:t>
+            </a:r>
+            <a:r>
+              <a:rPr lang="ja-JP" altLang="en-US" sz="1400" dirty="0">
+                <a:latin typeface="UD デジタル 教科書体 NP" panose="02020400000000000000" pitchFamily="18" charset="-128"/>
+                <a:ea typeface="UD デジタル 教科書体 NP" panose="02020400000000000000" pitchFamily="18" charset="-128"/>
+              </a:rPr>
+              <a:t>走行後に復帰先のラインを検知するまで</a:t>
+            </a:r>
+            <a:r>
+              <a:rPr lang="ja-JP" altLang="en-US" sz="1400" dirty="0">
+                <a:solidFill>
+                  <a:srgbClr val="FF0000"/>
+                </a:solidFill>
+                <a:latin typeface="UD デジタル 教科書体 NP" panose="02020400000000000000" pitchFamily="18" charset="-128"/>
+                <a:ea typeface="UD デジタル 教科書体 NP" panose="02020400000000000000" pitchFamily="18" charset="-128"/>
+              </a:rPr>
+              <a:t>直進走行</a:t>
             </a:r>
             <a:r>
               <a:rPr lang="en-US" altLang="ja-JP" sz="1400" dirty="0">
+                <a:solidFill>
+                  <a:srgbClr val="FF0000"/>
+                </a:solidFill>
                 <a:latin typeface="UD デジタル 教科書体 NP" panose="02020400000000000000" pitchFamily="18" charset="-128"/>
                 <a:ea typeface="UD デジタル 教科書体 NP" panose="02020400000000000000" pitchFamily="18" charset="-128"/>
               </a:rPr>
@@ -7613,95 +7816,30 @@
             </a:r>
             <a:r>
               <a:rPr lang="ja-JP" altLang="en-US" sz="1400" dirty="0">
-                <a:latin typeface="UD デジタル 教科書体 NP" panose="02020400000000000000" pitchFamily="18" charset="-128"/>
-                <a:ea typeface="UD デジタル 教科書体 NP" panose="02020400000000000000" pitchFamily="18" charset="-128"/>
-              </a:rPr>
-              <a:t>表</a:t>
+                <a:solidFill>
+                  <a:srgbClr val="FF0000"/>
+                </a:solidFill>
+                <a:latin typeface="UD デジタル 教科書体 NP" panose="02020400000000000000" pitchFamily="18" charset="-128"/>
+                <a:ea typeface="UD デジタル 教科書体 NP" panose="02020400000000000000" pitchFamily="18" charset="-128"/>
+              </a:rPr>
+              <a:t>⑤</a:t>
             </a:r>
             <a:r>
               <a:rPr lang="en-US" altLang="ja-JP" sz="1400" dirty="0">
-                <a:latin typeface="UD デジタル 教科書体 NP" panose="02020400000000000000" pitchFamily="18" charset="-128"/>
-                <a:ea typeface="UD デジタル 教科書体 NP" panose="02020400000000000000" pitchFamily="18" charset="-128"/>
-              </a:rPr>
-              <a:t>1.1</a:t>
+                <a:solidFill>
+                  <a:srgbClr val="FF0000"/>
+                </a:solidFill>
+                <a:latin typeface="UD デジタル 教科書体 NP" panose="02020400000000000000" pitchFamily="18" charset="-128"/>
+                <a:ea typeface="UD デジタル 教科書体 NP" panose="02020400000000000000" pitchFamily="18" charset="-128"/>
+              </a:rPr>
+              <a:t>)</a:t>
             </a:r>
             <a:r>
               <a:rPr lang="ja-JP" altLang="en-US" sz="1400" dirty="0">
                 <a:latin typeface="UD デジタル 教科書体 NP" panose="02020400000000000000" pitchFamily="18" charset="-128"/>
                 <a:ea typeface="UD デジタル 教科書体 NP" panose="02020400000000000000" pitchFamily="18" charset="-128"/>
               </a:rPr>
-              <a:t>区間の走行方法と終了条件、図</a:t>
-            </a:r>
-            <a:r>
-              <a:rPr lang="en-US" altLang="ja-JP" sz="1400" dirty="0">
-                <a:latin typeface="UD デジタル 教科書体 NP" panose="02020400000000000000" pitchFamily="18" charset="-128"/>
-                <a:ea typeface="UD デジタル 教科書体 NP" panose="02020400000000000000" pitchFamily="18" charset="-128"/>
-              </a:rPr>
-              <a:t>1.1</a:t>
-            </a:r>
-            <a:r>
-              <a:rPr lang="ja-JP" altLang="en-US" sz="1400" dirty="0">
-                <a:latin typeface="UD デジタル 教科書体 NP" panose="02020400000000000000" pitchFamily="18" charset="-128"/>
-                <a:ea typeface="UD デジタル 教科書体 NP" panose="02020400000000000000" pitchFamily="18" charset="-128"/>
-              </a:rPr>
-              <a:t>コースの区間分割参照</a:t>
-            </a:r>
-            <a:r>
-              <a:rPr lang="en-US" altLang="ja-JP" sz="1400" dirty="0">
-                <a:latin typeface="UD デジタル 教科書体 NP" panose="02020400000000000000" pitchFamily="18" charset="-128"/>
-                <a:ea typeface="UD デジタル 教科書体 NP" panose="02020400000000000000" pitchFamily="18" charset="-128"/>
-              </a:rPr>
-              <a:t>)</a:t>
-            </a:r>
-          </a:p>
-          <a:p>
-            <a:pPr marL="0" indent="0"/>
-            <a:r>
-              <a:rPr lang="ja-JP" altLang="en-US" sz="1400" dirty="0">
-                <a:solidFill>
-                  <a:srgbClr val="7030A0"/>
-                </a:solidFill>
-                <a:latin typeface="UD デジタル 教科書体 NP" panose="02020400000000000000" pitchFamily="18" charset="-128"/>
-                <a:ea typeface="UD デジタル 教科書体 NP" panose="02020400000000000000" pitchFamily="18" charset="-128"/>
-              </a:rPr>
-              <a:t>進入部</a:t>
-            </a:r>
-            <a:r>
-              <a:rPr lang="en-US" altLang="ja-JP" sz="1400" dirty="0">
-                <a:solidFill>
-                  <a:srgbClr val="7030A0"/>
-                </a:solidFill>
-                <a:latin typeface="UD デジタル 教科書体 NP" panose="02020400000000000000" pitchFamily="18" charset="-128"/>
-                <a:ea typeface="UD デジタル 教科書体 NP" panose="02020400000000000000" pitchFamily="18" charset="-128"/>
-              </a:rPr>
-              <a:t>(</a:t>
-            </a:r>
-            <a:r>
-              <a:rPr lang="ja-JP" altLang="en-US" sz="1400" dirty="0">
-                <a:solidFill>
-                  <a:srgbClr val="7030A0"/>
-                </a:solidFill>
-                <a:latin typeface="UD デジタル 教科書体 NP" panose="02020400000000000000" pitchFamily="18" charset="-128"/>
-                <a:ea typeface="UD デジタル 教科書体 NP" panose="02020400000000000000" pitchFamily="18" charset="-128"/>
-              </a:rPr>
-              <a:t>③</a:t>
-            </a:r>
-            <a:r>
-              <a:rPr lang="en-US" altLang="ja-JP" sz="1400" dirty="0">
-                <a:solidFill>
-                  <a:srgbClr val="7030A0"/>
-                </a:solidFill>
-                <a:latin typeface="UD デジタル 教科書体 NP" panose="02020400000000000000" pitchFamily="18" charset="-128"/>
-                <a:ea typeface="UD デジタル 教科書体 NP" panose="02020400000000000000" pitchFamily="18" charset="-128"/>
-              </a:rPr>
-              <a:t>)</a:t>
-            </a:r>
-            <a:r>
-              <a:rPr lang="ja-JP" altLang="en-US" sz="1400" dirty="0">
-                <a:latin typeface="UD デジタル 教科書体 NP" panose="02020400000000000000" pitchFamily="18" charset="-128"/>
-                <a:ea typeface="UD デジタル 教科書体 NP" panose="02020400000000000000" pitchFamily="18" charset="-128"/>
-              </a:rPr>
-              <a:t>では、旋回角度を一定に保ったまま走行することで真円に沿った旋回走行を行う。</a:t>
+              <a:t>を行う。</a:t>
             </a:r>
             <a:endParaRPr lang="en-US" altLang="ja-JP" sz="1400" dirty="0">
               <a:latin typeface="UD デジタル 教科書体 NP" panose="02020400000000000000" pitchFamily="18" charset="-128"/>
@@ -7715,115 +7853,7 @@
                 <a:latin typeface="UD デジタル 教科書体 NP" panose="02020400000000000000" pitchFamily="18" charset="-128"/>
                 <a:ea typeface="UD デジタル 教科書体 NP" panose="02020400000000000000" pitchFamily="18" charset="-128"/>
               </a:rPr>
-              <a:t>旋回時は円の内側を走行するように調整を行い、</a:t>
-            </a:r>
-            <a:r>
-              <a:rPr lang="en-US" altLang="ja-JP" sz="1400" dirty="0" err="1">
-                <a:latin typeface="UD デジタル 教科書体 NP" panose="02020400000000000000" pitchFamily="18" charset="-128"/>
-                <a:ea typeface="UD デジタル 教科書体 NP" panose="02020400000000000000" pitchFamily="18" charset="-128"/>
-              </a:rPr>
-              <a:t>XXcm</a:t>
-            </a:r>
-            <a:r>
-              <a:rPr lang="ja-JP" altLang="en-US" sz="1400" dirty="0">
-                <a:latin typeface="UD デジタル 教科書体 NP" panose="02020400000000000000" pitchFamily="18" charset="-128"/>
-                <a:ea typeface="UD デジタル 教科書体 NP" panose="02020400000000000000" pitchFamily="18" charset="-128"/>
-              </a:rPr>
-              <a:t>走行後に復帰先のラインを検知するまで</a:t>
-            </a:r>
-            <a:r>
-              <a:rPr lang="ja-JP" altLang="en-US" sz="1400" dirty="0">
-                <a:solidFill>
-                  <a:srgbClr val="FF0000"/>
-                </a:solidFill>
-                <a:latin typeface="UD デジタル 教科書体 NP" panose="02020400000000000000" pitchFamily="18" charset="-128"/>
-                <a:ea typeface="UD デジタル 教科書体 NP" panose="02020400000000000000" pitchFamily="18" charset="-128"/>
-              </a:rPr>
-              <a:t>直進走行</a:t>
-            </a:r>
-            <a:r>
-              <a:rPr lang="en-US" altLang="ja-JP" sz="1400" dirty="0">
-                <a:solidFill>
-                  <a:srgbClr val="FF0000"/>
-                </a:solidFill>
-                <a:latin typeface="UD デジタル 教科書体 NP" panose="02020400000000000000" pitchFamily="18" charset="-128"/>
-                <a:ea typeface="UD デジタル 教科書体 NP" panose="02020400000000000000" pitchFamily="18" charset="-128"/>
-              </a:rPr>
-              <a:t>(</a:t>
-            </a:r>
-            <a:r>
-              <a:rPr lang="ja-JP" altLang="en-US" sz="1400" dirty="0">
-                <a:solidFill>
-                  <a:srgbClr val="FF0000"/>
-                </a:solidFill>
-                <a:latin typeface="UD デジタル 教科書体 NP" panose="02020400000000000000" pitchFamily="18" charset="-128"/>
-                <a:ea typeface="UD デジタル 教科書体 NP" panose="02020400000000000000" pitchFamily="18" charset="-128"/>
-              </a:rPr>
-              <a:t>④</a:t>
-            </a:r>
-            <a:r>
-              <a:rPr lang="en-US" altLang="ja-JP" sz="1400" dirty="0">
-                <a:solidFill>
-                  <a:srgbClr val="FF0000"/>
-                </a:solidFill>
-                <a:latin typeface="UD デジタル 教科書体 NP" panose="02020400000000000000" pitchFamily="18" charset="-128"/>
-                <a:ea typeface="UD デジタル 教科書体 NP" panose="02020400000000000000" pitchFamily="18" charset="-128"/>
-              </a:rPr>
-              <a:t>)</a:t>
-            </a:r>
-            <a:r>
-              <a:rPr lang="ja-JP" altLang="en-US" sz="1400" dirty="0">
-                <a:latin typeface="UD デジタル 教科書体 NP" panose="02020400000000000000" pitchFamily="18" charset="-128"/>
-                <a:ea typeface="UD デジタル 教科書体 NP" panose="02020400000000000000" pitchFamily="18" charset="-128"/>
-              </a:rPr>
-              <a:t>を行う。検知後はラインに復帰し、</a:t>
-            </a:r>
-            <a:r>
-              <a:rPr lang="ja-JP" altLang="en-US" sz="1400" dirty="0">
-                <a:solidFill>
-                  <a:srgbClr val="00B050"/>
-                </a:solidFill>
-                <a:latin typeface="UD デジタル 教科書体 NP" panose="02020400000000000000" pitchFamily="18" charset="-128"/>
-                <a:ea typeface="UD デジタル 教科書体 NP" panose="02020400000000000000" pitchFamily="18" charset="-128"/>
-              </a:rPr>
-              <a:t>ライントレース走行</a:t>
-            </a:r>
-            <a:r>
-              <a:rPr lang="en-US" altLang="ja-JP" sz="1400" dirty="0">
-                <a:solidFill>
-                  <a:srgbClr val="00B050"/>
-                </a:solidFill>
-                <a:latin typeface="UD デジタル 教科書体 NP" panose="02020400000000000000" pitchFamily="18" charset="-128"/>
-                <a:ea typeface="UD デジタル 教科書体 NP" panose="02020400000000000000" pitchFamily="18" charset="-128"/>
-              </a:rPr>
-              <a:t>(</a:t>
-            </a:r>
-            <a:r>
-              <a:rPr lang="ja-JP" altLang="en-US" sz="1400" dirty="0">
-                <a:solidFill>
-                  <a:srgbClr val="00B050"/>
-                </a:solidFill>
-                <a:latin typeface="UD デジタル 教科書体 NP" panose="02020400000000000000" pitchFamily="18" charset="-128"/>
-                <a:ea typeface="UD デジタル 教科書体 NP" panose="02020400000000000000" pitchFamily="18" charset="-128"/>
-              </a:rPr>
-              <a:t>⑤</a:t>
-            </a:r>
-            <a:r>
-              <a:rPr lang="en-US" altLang="ja-JP" sz="1400" dirty="0">
-                <a:solidFill>
-                  <a:srgbClr val="00B050"/>
-                </a:solidFill>
-                <a:latin typeface="UD デジタル 教科書体 NP" panose="02020400000000000000" pitchFamily="18" charset="-128"/>
-                <a:ea typeface="UD デジタル 教科書体 NP" panose="02020400000000000000" pitchFamily="18" charset="-128"/>
-              </a:rPr>
-              <a:t>)</a:t>
-            </a:r>
-            <a:r>
-              <a:rPr lang="ja-JP" altLang="en-US" sz="1400" dirty="0">
-                <a:latin typeface="UD デジタル 教科書体 NP" panose="02020400000000000000" pitchFamily="18" charset="-128"/>
-                <a:ea typeface="UD デジタル 教科書体 NP" panose="02020400000000000000" pitchFamily="18" charset="-128"/>
-              </a:rPr>
-              <a:t>を行い走行位置を立て直す。</a:t>
+              <a:t>検知後はラインに復帰し、</a:t>
             </a:r>
             <a:endParaRPr lang="en-US" altLang="ja-JP" sz="1400" dirty="0">
               <a:latin typeface="UD デジタル 教科書体 NP" panose="02020400000000000000" pitchFamily="18" charset="-128"/>
@@ -7835,17 +7865,17 @@
             <a:r>
               <a:rPr lang="ja-JP" altLang="en-US" sz="1400" dirty="0">
                 <a:solidFill>
-                  <a:srgbClr val="FF0000"/>
-                </a:solidFill>
-                <a:latin typeface="UD デジタル 教科書体 NP" panose="02020400000000000000" pitchFamily="18" charset="-128"/>
-                <a:ea typeface="UD デジタル 教科書体 NP" panose="02020400000000000000" pitchFamily="18" charset="-128"/>
-              </a:rPr>
-              <a:t>ループ内交差部</a:t>
+                  <a:srgbClr val="00B050"/>
+                </a:solidFill>
+                <a:latin typeface="UD デジタル 教科書体 NP" panose="02020400000000000000" pitchFamily="18" charset="-128"/>
+                <a:ea typeface="UD デジタル 教科書体 NP" panose="02020400000000000000" pitchFamily="18" charset="-128"/>
+              </a:rPr>
+              <a:t>ライントレース走行</a:t>
             </a:r>
             <a:r>
               <a:rPr lang="en-US" altLang="ja-JP" sz="1400" dirty="0">
                 <a:solidFill>
-                  <a:srgbClr val="FF0000"/>
+                  <a:srgbClr val="00B050"/>
                 </a:solidFill>
                 <a:latin typeface="UD デジタル 教科書体 NP" panose="02020400000000000000" pitchFamily="18" charset="-128"/>
                 <a:ea typeface="UD デジタル 教科書体 NP" panose="02020400000000000000" pitchFamily="18" charset="-128"/>
@@ -7855,17 +7885,17 @@
             <a:r>
               <a:rPr lang="ja-JP" altLang="en-US" sz="1400" dirty="0">
                 <a:solidFill>
-                  <a:srgbClr val="FF0000"/>
-                </a:solidFill>
-                <a:latin typeface="UD デジタル 教科書体 NP" panose="02020400000000000000" pitchFamily="18" charset="-128"/>
-                <a:ea typeface="UD デジタル 教科書体 NP" panose="02020400000000000000" pitchFamily="18" charset="-128"/>
-              </a:rPr>
-              <a:t>⑥⑧</a:t>
+                  <a:srgbClr val="00B050"/>
+                </a:solidFill>
+                <a:latin typeface="UD デジタル 教科書体 NP" panose="02020400000000000000" pitchFamily="18" charset="-128"/>
+                <a:ea typeface="UD デジタル 教科書体 NP" panose="02020400000000000000" pitchFamily="18" charset="-128"/>
+              </a:rPr>
+              <a:t>⑥</a:t>
             </a:r>
             <a:r>
               <a:rPr lang="en-US" altLang="ja-JP" sz="1400" dirty="0">
                 <a:solidFill>
-                  <a:srgbClr val="FF0000"/>
+                  <a:srgbClr val="00B050"/>
                 </a:solidFill>
                 <a:latin typeface="UD デジタル 教科書体 NP" panose="02020400000000000000" pitchFamily="18" charset="-128"/>
                 <a:ea typeface="UD デジタル 教科書体 NP" panose="02020400000000000000" pitchFamily="18" charset="-128"/>
@@ -7877,7 +7907,7 @@
                 <a:latin typeface="UD デジタル 教科書体 NP" panose="02020400000000000000" pitchFamily="18" charset="-128"/>
                 <a:ea typeface="UD デジタル 教科書体 NP" panose="02020400000000000000" pitchFamily="18" charset="-128"/>
               </a:rPr>
-              <a:t>と</a:t>
+              <a:t>を行い</a:t>
             </a:r>
             <a:endParaRPr lang="en-US" altLang="ja-JP" sz="1400" dirty="0">
               <a:latin typeface="UD デジタル 教科書体 NP" panose="02020400000000000000" pitchFamily="18" charset="-128"/>
@@ -7888,50 +7918,10 @@
             <a:pPr marL="0" indent="0"/>
             <a:r>
               <a:rPr lang="ja-JP" altLang="en-US" sz="1400" dirty="0">
-                <a:solidFill>
-                  <a:srgbClr val="FF0000"/>
-                </a:solidFill>
-                <a:latin typeface="UD デジタル 教科書体 NP" panose="02020400000000000000" pitchFamily="18" charset="-128"/>
-                <a:ea typeface="UD デジタル 教科書体 NP" panose="02020400000000000000" pitchFamily="18" charset="-128"/>
-              </a:rPr>
-              <a:t>脱出部</a:t>
-            </a:r>
-            <a:r>
-              <a:rPr lang="en-US" altLang="ja-JP" sz="1400" dirty="0">
-                <a:solidFill>
-                  <a:srgbClr val="FF0000"/>
-                </a:solidFill>
-                <a:latin typeface="UD デジタル 教科書体 NP" panose="02020400000000000000" pitchFamily="18" charset="-128"/>
-                <a:ea typeface="UD デジタル 教科書体 NP" panose="02020400000000000000" pitchFamily="18" charset="-128"/>
-              </a:rPr>
-              <a:t>(</a:t>
-            </a:r>
-            <a:r>
-              <a:rPr lang="ja-JP" altLang="en-US" sz="1400" dirty="0">
-                <a:solidFill>
-                  <a:srgbClr val="FF0000"/>
-                </a:solidFill>
-                <a:latin typeface="UD デジタル 教科書体 NP" panose="02020400000000000000" pitchFamily="18" charset="-128"/>
-                <a:ea typeface="UD デジタル 教科書体 NP" panose="02020400000000000000" pitchFamily="18" charset="-128"/>
-              </a:rPr>
-              <a:t>⑩</a:t>
-            </a:r>
-            <a:r>
-              <a:rPr lang="en-US" altLang="ja-JP" sz="1400" dirty="0">
-                <a:solidFill>
-                  <a:srgbClr val="FF0000"/>
-                </a:solidFill>
-                <a:latin typeface="UD デジタル 教科書体 NP" panose="02020400000000000000" pitchFamily="18" charset="-128"/>
-                <a:ea typeface="UD デジタル 教科書体 NP" panose="02020400000000000000" pitchFamily="18" charset="-128"/>
-              </a:rPr>
-              <a:t>)</a:t>
-            </a:r>
-            <a:r>
-              <a:rPr lang="ja-JP" altLang="en-US" sz="1400" dirty="0">
-                <a:latin typeface="UD デジタル 教科書体 NP" panose="02020400000000000000" pitchFamily="18" charset="-128"/>
-                <a:ea typeface="UD デジタル 教科書体 NP" panose="02020400000000000000" pitchFamily="18" charset="-128"/>
-              </a:rPr>
-              <a:t>では、</a:t>
+                <a:latin typeface="UD デジタル 教科書体 NP" panose="02020400000000000000" pitchFamily="18" charset="-128"/>
+                <a:ea typeface="UD デジタル 教科書体 NP" panose="02020400000000000000" pitchFamily="18" charset="-128"/>
+              </a:rPr>
+              <a:t>走行位置を立て直す。</a:t>
             </a:r>
             <a:endParaRPr lang="en-US" altLang="ja-JP" sz="1400" dirty="0">
               <a:latin typeface="UD デジタル 教科書体 NP" panose="02020400000000000000" pitchFamily="18" charset="-128"/>
@@ -7942,10 +7932,50 @@
             <a:pPr marL="0" indent="0"/>
             <a:r>
               <a:rPr lang="ja-JP" altLang="en-US" sz="1400" dirty="0">
-                <a:latin typeface="UD デジタル 教科書体 NP" panose="02020400000000000000" pitchFamily="18" charset="-128"/>
-                <a:ea typeface="UD デジタル 教科書体 NP" panose="02020400000000000000" pitchFamily="18" charset="-128"/>
-              </a:rPr>
-              <a:t>青色ラインの検知を契機として、</a:t>
+                <a:solidFill>
+                  <a:srgbClr val="FF0000"/>
+                </a:solidFill>
+                <a:latin typeface="UD デジタル 教科書体 NP" panose="02020400000000000000" pitchFamily="18" charset="-128"/>
+                <a:ea typeface="UD デジタル 教科書体 NP" panose="02020400000000000000" pitchFamily="18" charset="-128"/>
+              </a:rPr>
+              <a:t>ループ内交差部</a:t>
+            </a:r>
+            <a:r>
+              <a:rPr lang="en-US" altLang="ja-JP" sz="1400" dirty="0">
+                <a:solidFill>
+                  <a:srgbClr val="FF0000"/>
+                </a:solidFill>
+                <a:latin typeface="UD デジタル 教科書体 NP" panose="02020400000000000000" pitchFamily="18" charset="-128"/>
+                <a:ea typeface="UD デジタル 教科書体 NP" panose="02020400000000000000" pitchFamily="18" charset="-128"/>
+              </a:rPr>
+              <a:t>(</a:t>
+            </a:r>
+            <a:r>
+              <a:rPr lang="ja-JP" altLang="en-US" sz="1400" dirty="0">
+                <a:solidFill>
+                  <a:srgbClr val="FF0000"/>
+                </a:solidFill>
+                <a:latin typeface="UD デジタル 教科書体 NP" panose="02020400000000000000" pitchFamily="18" charset="-128"/>
+                <a:ea typeface="UD デジタル 教科書体 NP" panose="02020400000000000000" pitchFamily="18" charset="-128"/>
+              </a:rPr>
+              <a:t>⑧⑪</a:t>
+            </a:r>
+            <a:r>
+              <a:rPr lang="en-US" altLang="ja-JP" sz="1400" dirty="0">
+                <a:solidFill>
+                  <a:srgbClr val="FF0000"/>
+                </a:solidFill>
+                <a:latin typeface="UD デジタル 教科書体 NP" panose="02020400000000000000" pitchFamily="18" charset="-128"/>
+                <a:ea typeface="UD デジタル 教科書体 NP" panose="02020400000000000000" pitchFamily="18" charset="-128"/>
+              </a:rPr>
+              <a:t>)</a:t>
+            </a:r>
+            <a:r>
+              <a:rPr lang="ja-JP" altLang="en-US" sz="1400" dirty="0">
+                <a:latin typeface="UD デジタル 教科書体 NP" panose="02020400000000000000" pitchFamily="18" charset="-128"/>
+                <a:ea typeface="UD デジタル 教科書体 NP" panose="02020400000000000000" pitchFamily="18" charset="-128"/>
+              </a:rPr>
+              <a:t>と</a:t>
             </a:r>
             <a:endParaRPr lang="en-US" altLang="ja-JP" sz="1400" dirty="0">
               <a:latin typeface="UD デジタル 教科書体 NP" panose="02020400000000000000" pitchFamily="18" charset="-128"/>
@@ -7956,10 +7986,50 @@
             <a:pPr marL="0" indent="0"/>
             <a:r>
               <a:rPr lang="ja-JP" altLang="en-US" sz="1400" dirty="0">
-                <a:latin typeface="UD デジタル 教科書体 NP" panose="02020400000000000000" pitchFamily="18" charset="-128"/>
-                <a:ea typeface="UD デジタル 教科書体 NP" panose="02020400000000000000" pitchFamily="18" charset="-128"/>
-              </a:rPr>
-              <a:t>進行方向の調整後に直進走行を</a:t>
+                <a:solidFill>
+                  <a:srgbClr val="FF0000"/>
+                </a:solidFill>
+                <a:latin typeface="UD デジタル 教科書体 NP" panose="02020400000000000000" pitchFamily="18" charset="-128"/>
+                <a:ea typeface="UD デジタル 教科書体 NP" panose="02020400000000000000" pitchFamily="18" charset="-128"/>
+              </a:rPr>
+              <a:t>脱出部</a:t>
+            </a:r>
+            <a:r>
+              <a:rPr lang="en-US" altLang="ja-JP" sz="1400" dirty="0">
+                <a:solidFill>
+                  <a:srgbClr val="FF0000"/>
+                </a:solidFill>
+                <a:latin typeface="UD デジタル 教科書体 NP" panose="02020400000000000000" pitchFamily="18" charset="-128"/>
+                <a:ea typeface="UD デジタル 教科書体 NP" panose="02020400000000000000" pitchFamily="18" charset="-128"/>
+              </a:rPr>
+              <a:t>(</a:t>
+            </a:r>
+            <a:r>
+              <a:rPr lang="ja-JP" altLang="en-US" sz="1400" dirty="0">
+                <a:solidFill>
+                  <a:srgbClr val="FF0000"/>
+                </a:solidFill>
+                <a:latin typeface="UD デジタル 教科書体 NP" panose="02020400000000000000" pitchFamily="18" charset="-128"/>
+                <a:ea typeface="UD デジタル 教科書体 NP" panose="02020400000000000000" pitchFamily="18" charset="-128"/>
+              </a:rPr>
+              <a:t>⑭</a:t>
+            </a:r>
+            <a:r>
+              <a:rPr lang="en-US" altLang="ja-JP" sz="1400" dirty="0">
+                <a:solidFill>
+                  <a:srgbClr val="FF0000"/>
+                </a:solidFill>
+                <a:latin typeface="UD デジタル 教科書体 NP" panose="02020400000000000000" pitchFamily="18" charset="-128"/>
+                <a:ea typeface="UD デジタル 教科書体 NP" panose="02020400000000000000" pitchFamily="18" charset="-128"/>
+              </a:rPr>
+              <a:t>)</a:t>
+            </a:r>
+            <a:r>
+              <a:rPr lang="ja-JP" altLang="en-US" sz="1400" dirty="0">
+                <a:latin typeface="UD デジタル 教科書体 NP" panose="02020400000000000000" pitchFamily="18" charset="-128"/>
+                <a:ea typeface="UD デジタル 教科書体 NP" panose="02020400000000000000" pitchFamily="18" charset="-128"/>
+              </a:rPr>
+              <a:t>では、青色ライン</a:t>
             </a:r>
             <a:endParaRPr lang="en-US" altLang="ja-JP" sz="1400" dirty="0">
               <a:latin typeface="UD デジタル 教科書体 NP" panose="02020400000000000000" pitchFamily="18" charset="-128"/>
@@ -7973,7 +8043,74 @@
                 <a:latin typeface="UD デジタル 教科書体 NP" panose="02020400000000000000" pitchFamily="18" charset="-128"/>
                 <a:ea typeface="UD デジタル 教科書体 NP" panose="02020400000000000000" pitchFamily="18" charset="-128"/>
               </a:rPr>
-              <a:t>行う。</a:t>
+              <a:t>の検知を契機として、</a:t>
+            </a:r>
+            <a:r>
+              <a:rPr lang="ja-JP" altLang="en-US" sz="1400" dirty="0">
+                <a:solidFill>
+                  <a:schemeClr val="accent2"/>
+                </a:solidFill>
+                <a:latin typeface="UD デジタル 教科書体 NP" panose="02020400000000000000" pitchFamily="18" charset="-128"/>
+                <a:ea typeface="UD デジタル 教科書体 NP" panose="02020400000000000000" pitchFamily="18" charset="-128"/>
+              </a:rPr>
+              <a:t>進行方向</a:t>
+            </a:r>
+            <a:endParaRPr lang="en-US" altLang="ja-JP" sz="1400" dirty="0">
+              <a:solidFill>
+                <a:schemeClr val="accent2"/>
+              </a:solidFill>
+              <a:latin typeface="UD デジタル 教科書体 NP" panose="02020400000000000000" pitchFamily="18" charset="-128"/>
+              <a:ea typeface="UD デジタル 教科書体 NP" panose="02020400000000000000" pitchFamily="18" charset="-128"/>
+            </a:endParaRPr>
+          </a:p>
+          <a:p>
+            <a:pPr marL="0" indent="0"/>
+            <a:r>
+              <a:rPr lang="ja-JP" altLang="en-US" sz="1400" dirty="0">
+                <a:solidFill>
+                  <a:schemeClr val="accent2"/>
+                </a:solidFill>
+                <a:latin typeface="UD デジタル 教科書体 NP" panose="02020400000000000000" pitchFamily="18" charset="-128"/>
+                <a:ea typeface="UD デジタル 教科書体 NP" panose="02020400000000000000" pitchFamily="18" charset="-128"/>
+              </a:rPr>
+              <a:t>の調整</a:t>
+            </a:r>
+            <a:r>
+              <a:rPr lang="en-US" altLang="ja-JP" sz="1400" dirty="0">
+                <a:solidFill>
+                  <a:schemeClr val="accent2"/>
+                </a:solidFill>
+                <a:latin typeface="UD デジタル 教科書体 NP" panose="02020400000000000000" pitchFamily="18" charset="-128"/>
+                <a:ea typeface="UD デジタル 教科書体 NP" panose="02020400000000000000" pitchFamily="18" charset="-128"/>
+              </a:rPr>
+              <a:t>(</a:t>
+            </a:r>
+            <a:r>
+              <a:rPr lang="ja-JP" altLang="en-US" sz="1400" dirty="0">
+                <a:solidFill>
+                  <a:schemeClr val="accent2"/>
+                </a:solidFill>
+                <a:latin typeface="UD デジタル 教科書体 NP" panose="02020400000000000000" pitchFamily="18" charset="-128"/>
+                <a:ea typeface="UD デジタル 教科書体 NP" panose="02020400000000000000" pitchFamily="18" charset="-128"/>
+              </a:rPr>
+              <a:t>⑦⑩⑬</a:t>
+            </a:r>
+            <a:r>
+              <a:rPr lang="en-US" altLang="ja-JP" sz="1400" dirty="0">
+                <a:solidFill>
+                  <a:schemeClr val="accent2"/>
+                </a:solidFill>
+                <a:latin typeface="UD デジタル 教科書体 NP" panose="02020400000000000000" pitchFamily="18" charset="-128"/>
+                <a:ea typeface="UD デジタル 教科書体 NP" panose="02020400000000000000" pitchFamily="18" charset="-128"/>
+              </a:rPr>
+              <a:t>)</a:t>
+            </a:r>
+            <a:r>
+              <a:rPr lang="ja-JP" altLang="en-US" sz="1400" dirty="0">
+                <a:latin typeface="UD デジタル 教科書体 NP" panose="02020400000000000000" pitchFamily="18" charset="-128"/>
+                <a:ea typeface="UD デジタル 教科書体 NP" panose="02020400000000000000" pitchFamily="18" charset="-128"/>
+              </a:rPr>
+              <a:t>後に直進走行を</a:t>
             </a:r>
             <a:endParaRPr lang="en-US" altLang="ja-JP" sz="1400" dirty="0">
               <a:latin typeface="UD デジタル 教科書体 NP" panose="02020400000000000000" pitchFamily="18" charset="-128"/>
@@ -7987,7 +8124,7 @@
                 <a:latin typeface="UD デジタル 教科書体 NP" panose="02020400000000000000" pitchFamily="18" charset="-128"/>
                 <a:ea typeface="UD デジタル 教科書体 NP" panose="02020400000000000000" pitchFamily="18" charset="-128"/>
               </a:rPr>
-              <a:t>直進走行後は対象以外のラインと</a:t>
+              <a:t>行う。</a:t>
             </a:r>
             <a:endParaRPr lang="en-US" altLang="ja-JP" sz="1400" dirty="0">
               <a:latin typeface="UD デジタル 教科書体 NP" panose="02020400000000000000" pitchFamily="18" charset="-128"/>
@@ -8001,7 +8138,7 @@
                 <a:latin typeface="UD デジタル 教科書体 NP" panose="02020400000000000000" pitchFamily="18" charset="-128"/>
                 <a:ea typeface="UD デジタル 教科書体 NP" panose="02020400000000000000" pitchFamily="18" charset="-128"/>
               </a:rPr>
-              <a:t>混同しないために特定の距離を</a:t>
+              <a:t>直進走行後は対象以外のライン</a:t>
             </a:r>
             <a:endParaRPr lang="en-US" altLang="ja-JP" sz="1400" dirty="0">
               <a:latin typeface="UD デジタル 教科書体 NP" panose="02020400000000000000" pitchFamily="18" charset="-128"/>
@@ -8015,7 +8152,7 @@
                 <a:latin typeface="UD デジタル 教科書体 NP" panose="02020400000000000000" pitchFamily="18" charset="-128"/>
                 <a:ea typeface="UD デジタル 教科書体 NP" panose="02020400000000000000" pitchFamily="18" charset="-128"/>
               </a:rPr>
-              <a:t>走破後に黒色検知を契機として</a:t>
+              <a:t>と混同しないために一定以上の</a:t>
             </a:r>
             <a:endParaRPr lang="en-US" altLang="ja-JP" sz="1400" dirty="0">
               <a:latin typeface="UD デジタル 教科書体 NP" panose="02020400000000000000" pitchFamily="18" charset="-128"/>
@@ -8026,50 +8163,10 @@
             <a:pPr marL="0" indent="0"/>
             <a:r>
               <a:rPr lang="ja-JP" altLang="en-US" sz="1400" dirty="0">
-                <a:solidFill>
-                  <a:srgbClr val="00B050"/>
-                </a:solidFill>
-                <a:latin typeface="UD デジタル 教科書体 NP" panose="02020400000000000000" pitchFamily="18" charset="-128"/>
-                <a:ea typeface="UD デジタル 教科書体 NP" panose="02020400000000000000" pitchFamily="18" charset="-128"/>
-              </a:rPr>
-              <a:t>ライントレース走行</a:t>
-            </a:r>
-            <a:r>
-              <a:rPr lang="en-US" altLang="ja-JP" sz="1400" dirty="0">
-                <a:solidFill>
-                  <a:srgbClr val="00B050"/>
-                </a:solidFill>
-                <a:latin typeface="UD デジタル 教科書体 NP" panose="02020400000000000000" pitchFamily="18" charset="-128"/>
-                <a:ea typeface="UD デジタル 教科書体 NP" panose="02020400000000000000" pitchFamily="18" charset="-128"/>
-              </a:rPr>
-              <a:t>(</a:t>
-            </a:r>
-            <a:r>
-              <a:rPr lang="ja-JP" altLang="en-US" sz="1400" dirty="0">
-                <a:solidFill>
-                  <a:srgbClr val="00B050"/>
-                </a:solidFill>
-                <a:latin typeface="UD デジタル 教科書体 NP" panose="02020400000000000000" pitchFamily="18" charset="-128"/>
-                <a:ea typeface="UD デジタル 教科書体 NP" panose="02020400000000000000" pitchFamily="18" charset="-128"/>
-              </a:rPr>
-              <a:t>⑦⑨⑪</a:t>
-            </a:r>
-            <a:r>
-              <a:rPr lang="en-US" altLang="ja-JP" sz="1400" dirty="0">
-                <a:solidFill>
-                  <a:srgbClr val="00B050"/>
-                </a:solidFill>
-                <a:latin typeface="UD デジタル 教科書体 NP" panose="02020400000000000000" pitchFamily="18" charset="-128"/>
-                <a:ea typeface="UD デジタル 教科書体 NP" panose="02020400000000000000" pitchFamily="18" charset="-128"/>
-              </a:rPr>
-              <a:t>)</a:t>
-            </a:r>
-            <a:r>
-              <a:rPr lang="ja-JP" altLang="en-US" sz="1400" dirty="0">
-                <a:latin typeface="UD デジタル 教科書体 NP" panose="02020400000000000000" pitchFamily="18" charset="-128"/>
-                <a:ea typeface="UD デジタル 教科書体 NP" panose="02020400000000000000" pitchFamily="18" charset="-128"/>
-              </a:rPr>
-              <a:t>に</a:t>
+                <a:latin typeface="UD デジタル 教科書体 NP" panose="02020400000000000000" pitchFamily="18" charset="-128"/>
+                <a:ea typeface="UD デジタル 教科書体 NP" panose="02020400000000000000" pitchFamily="18" charset="-128"/>
+              </a:rPr>
+              <a:t>距離を走行後に黒色検知を</a:t>
             </a:r>
             <a:endParaRPr lang="en-US" altLang="ja-JP" sz="1400" dirty="0">
               <a:latin typeface="UD デジタル 教科書体 NP" panose="02020400000000000000" pitchFamily="18" charset="-128"/>
@@ -8083,7 +8180,64 @@
                 <a:latin typeface="UD デジタル 教科書体 NP" panose="02020400000000000000" pitchFamily="18" charset="-128"/>
                 <a:ea typeface="UD デジタル 教科書体 NP" panose="02020400000000000000" pitchFamily="18" charset="-128"/>
               </a:rPr>
-              <a:t>移行する。</a:t>
+              <a:t>契機として</a:t>
+            </a:r>
+            <a:r>
+              <a:rPr lang="ja-JP" altLang="en-US" sz="1400" dirty="0">
+                <a:solidFill>
+                  <a:srgbClr val="00B050"/>
+                </a:solidFill>
+                <a:latin typeface="UD デジタル 教科書体 NP" panose="02020400000000000000" pitchFamily="18" charset="-128"/>
+                <a:ea typeface="UD デジタル 教科書体 NP" panose="02020400000000000000" pitchFamily="18" charset="-128"/>
+              </a:rPr>
+              <a:t>ライントレース走行</a:t>
+            </a:r>
+            <a:endParaRPr lang="en-US" altLang="ja-JP" sz="1400" dirty="0">
+              <a:solidFill>
+                <a:srgbClr val="00B050"/>
+              </a:solidFill>
+              <a:latin typeface="UD デジタル 教科書体 NP" panose="02020400000000000000" pitchFamily="18" charset="-128"/>
+              <a:ea typeface="UD デジタル 教科書体 NP" panose="02020400000000000000" pitchFamily="18" charset="-128"/>
+            </a:endParaRPr>
+          </a:p>
+          <a:p>
+            <a:pPr marL="0" indent="0"/>
+            <a:r>
+              <a:rPr lang="en-US" altLang="ja-JP" sz="1400" dirty="0">
+                <a:solidFill>
+                  <a:srgbClr val="00B050"/>
+                </a:solidFill>
+                <a:latin typeface="UD デジタル 教科書体 NP" panose="02020400000000000000" pitchFamily="18" charset="-128"/>
+                <a:ea typeface="UD デジタル 教科書体 NP" panose="02020400000000000000" pitchFamily="18" charset="-128"/>
+              </a:rPr>
+              <a:t>(</a:t>
+            </a:r>
+            <a:r>
+              <a:rPr lang="ja-JP" altLang="en-US" sz="1400" dirty="0">
+                <a:solidFill>
+                  <a:srgbClr val="00B050"/>
+                </a:solidFill>
+                <a:latin typeface="UD デジタル 教科書体 NP" panose="02020400000000000000" pitchFamily="18" charset="-128"/>
+                <a:ea typeface="UD デジタル 教科書体 NP" panose="02020400000000000000" pitchFamily="18" charset="-128"/>
+              </a:rPr>
+              <a:t>⑨⑫⑮</a:t>
+            </a:r>
+            <a:r>
+              <a:rPr lang="en-US" altLang="ja-JP" sz="1400" dirty="0">
+                <a:solidFill>
+                  <a:srgbClr val="00B050"/>
+                </a:solidFill>
+                <a:latin typeface="UD デジタル 教科書体 NP" panose="02020400000000000000" pitchFamily="18" charset="-128"/>
+                <a:ea typeface="UD デジタル 教科書体 NP" panose="02020400000000000000" pitchFamily="18" charset="-128"/>
+              </a:rPr>
+              <a:t>)</a:t>
+            </a:r>
+            <a:r>
+              <a:rPr lang="ja-JP" altLang="en-US" sz="1400" dirty="0">
+                <a:latin typeface="UD デジタル 教科書体 NP" panose="02020400000000000000" pitchFamily="18" charset="-128"/>
+                <a:ea typeface="UD デジタル 教科書体 NP" panose="02020400000000000000" pitchFamily="18" charset="-128"/>
+              </a:rPr>
+              <a:t>に移行する。</a:t>
             </a:r>
             <a:endParaRPr lang="en-US" altLang="ja-JP" sz="1400" dirty="0">
               <a:latin typeface="UD デジタル 教科書体 NP" panose="02020400000000000000" pitchFamily="18" charset="-128"/>
@@ -8107,14 +8261,14 @@
           <p:nvPr/>
         </p:nvPicPr>
         <p:blipFill>
-          <a:blip r:embed="rId2"/>
+          <a:blip r:embed="rId3"/>
           <a:stretch>
             <a:fillRect/>
           </a:stretch>
         </p:blipFill>
         <p:spPr>
           <a:xfrm>
-            <a:off x="11946647" y="1412706"/>
+            <a:off x="11746805" y="1418537"/>
             <a:ext cx="3004656" cy="4278630"/>
           </a:xfrm>
           <a:prstGeom prst="rect">
@@ -8137,15 +8291,15 @@
           <p:nvPr/>
         </p:nvPicPr>
         <p:blipFill>
-          <a:blip r:embed="rId3"/>
+          <a:blip r:embed="rId4"/>
           <a:stretch>
             <a:fillRect/>
           </a:stretch>
         </p:blipFill>
         <p:spPr>
           <a:xfrm>
-            <a:off x="6093012" y="1386999"/>
-            <a:ext cx="5813641" cy="4342247"/>
+            <a:off x="5735259" y="1390226"/>
+            <a:ext cx="5948405" cy="4442903"/>
           </a:xfrm>
           <a:prstGeom prst="rect">
             <a:avLst/>
@@ -8167,7 +8321,7 @@
           <p:nvPr/>
         </p:nvPicPr>
         <p:blipFill>
-          <a:blip r:embed="rId4"/>
+          <a:blip r:embed="rId5"/>
           <a:stretch>
             <a:fillRect/>
           </a:stretch>
@@ -8802,7 +8956,7 @@
       </p:sp>
       <mc:AlternateContent xmlns:mc="http://schemas.openxmlformats.org/markup-compatibility/2006" xmlns:p14="http://schemas.microsoft.com/office/powerpoint/2010/main">
         <mc:Choice Requires="p14">
-          <p:contentPart p14:bwMode="auto" r:id="rId5">
+          <p:contentPart p14:bwMode="auto" r:id="rId6">
             <p14:nvContentPartPr>
               <p14:cNvPr id="18" name="インク 17">
                 <a:extLst>
@@ -8834,7 +8988,7 @@
               <p:nvPr/>
             </p:nvPicPr>
             <p:blipFill>
-              <a:blip r:embed="rId6"/>
+              <a:blip r:embed="rId7"/>
               <a:stretch>
                 <a:fillRect/>
               </a:stretch>
@@ -8853,7 +9007,7 @@
       </mc:AlternateContent>
       <mc:AlternateContent xmlns:mc="http://schemas.openxmlformats.org/markup-compatibility/2006" xmlns:p14="http://schemas.microsoft.com/office/powerpoint/2010/main">
         <mc:Choice Requires="p14">
-          <p:contentPart p14:bwMode="auto" r:id="rId7">
+          <p:contentPart p14:bwMode="auto" r:id="rId8">
             <p14:nvContentPartPr>
               <p14:cNvPr id="21" name="インク 20">
                 <a:extLst>
@@ -8885,7 +9039,7 @@
               <p:nvPr/>
             </p:nvPicPr>
             <p:blipFill>
-              <a:blip r:embed="rId6"/>
+              <a:blip r:embed="rId7"/>
               <a:stretch>
                 <a:fillRect/>
               </a:stretch>
@@ -8950,8 +9104,8 @@
         </p:nvSpPr>
         <p:spPr bwMode="auto">
           <a:xfrm>
-            <a:off x="6047507" y="653655"/>
-            <a:ext cx="8904959" cy="5355818"/>
+            <a:off x="5759475" y="653655"/>
+            <a:ext cx="9192991" cy="5355818"/>
           </a:xfrm>
           <a:prstGeom prst="rect">
             <a:avLst/>
@@ -9208,8 +9362,8 @@
         </p:nvSpPr>
         <p:spPr bwMode="auto">
           <a:xfrm>
-            <a:off x="6046343" y="6044156"/>
-            <a:ext cx="8904959" cy="4558332"/>
+            <a:off x="5758311" y="6044156"/>
+            <a:ext cx="9192991" cy="4558332"/>
           </a:xfrm>
           <a:prstGeom prst="rect">
             <a:avLst/>
@@ -9458,7 +9612,7 @@
         </p:nvSpPr>
         <p:spPr>
           <a:xfrm>
-            <a:off x="254805" y="10313169"/>
+            <a:off x="297104" y="10371705"/>
             <a:ext cx="2484976" cy="276999"/>
           </a:xfrm>
           <a:prstGeom prst="rect">
@@ -9514,7 +9668,7 @@
         </p:nvSpPr>
         <p:spPr>
           <a:xfrm>
-            <a:off x="2897804" y="7220768"/>
+            <a:off x="3001912" y="6570042"/>
             <a:ext cx="1869423" cy="276999"/>
           </a:xfrm>
           <a:prstGeom prst="rect">
@@ -9570,7 +9724,7 @@
         </p:nvSpPr>
         <p:spPr>
           <a:xfrm>
-            <a:off x="6479555" y="5767157"/>
+            <a:off x="6046343" y="5746939"/>
             <a:ext cx="2023311" cy="276999"/>
           </a:xfrm>
           <a:prstGeom prst="rect">
@@ -9726,40 +9880,10 @@
       </p:sp>
       <p:pic>
         <p:nvPicPr>
-          <p:cNvPr id="28" name="図 27">
+          <p:cNvPr id="44" name="図 43">
             <a:extLst>
               <a:ext uri="{FF2B5EF4-FFF2-40B4-BE49-F238E27FC236}">
-                <a16:creationId xmlns:a16="http://schemas.microsoft.com/office/drawing/2014/main" id="{A35E4B3B-3746-EA06-3E10-3BA981104D67}"/>
-              </a:ext>
-            </a:extLst>
-          </p:cNvPr>
-          <p:cNvPicPr>
-            <a:picLocks noChangeAspect="1"/>
-          </p:cNvPicPr>
-          <p:nvPr/>
-        </p:nvPicPr>
-        <p:blipFill>
-          <a:blip r:embed="rId8"/>
-          <a:stretch>
-            <a:fillRect/>
-          </a:stretch>
-        </p:blipFill>
-        <p:spPr>
-          <a:xfrm>
-            <a:off x="2895243" y="4121983"/>
-            <a:ext cx="3089342" cy="3138705"/>
-          </a:xfrm>
-          <a:prstGeom prst="rect">
-            <a:avLst/>
-          </a:prstGeom>
-        </p:spPr>
-      </p:pic>
-      <p:pic>
-        <p:nvPicPr>
-          <p:cNvPr id="31" name="図 30">
-            <a:extLst>
-              <a:ext uri="{FF2B5EF4-FFF2-40B4-BE49-F238E27FC236}">
-                <a16:creationId xmlns:a16="http://schemas.microsoft.com/office/drawing/2014/main" id="{71280F86-FFAF-CE4E-7818-4D42BA05545B}"/>
+                <a16:creationId xmlns:a16="http://schemas.microsoft.com/office/drawing/2014/main" id="{5D241FCE-4094-F164-467D-0C5192705939}"/>
               </a:ext>
             </a:extLst>
           </p:cNvPr>
@@ -9776,8 +9900,8 @@
         </p:blipFill>
         <p:spPr>
           <a:xfrm>
-            <a:off x="6509765" y="6714809"/>
-            <a:ext cx="8046161" cy="3670806"/>
+            <a:off x="2826082" y="3706344"/>
+            <a:ext cx="2833379" cy="2894558"/>
           </a:xfrm>
           <a:prstGeom prst="rect">
             <a:avLst/>
@@ -9786,10 +9910,10 @@
       </p:pic>
       <p:pic>
         <p:nvPicPr>
-          <p:cNvPr id="33" name="図 32">
+          <p:cNvPr id="48" name="図 47">
             <a:extLst>
               <a:ext uri="{FF2B5EF4-FFF2-40B4-BE49-F238E27FC236}">
-                <a16:creationId xmlns:a16="http://schemas.microsoft.com/office/drawing/2014/main" id="{F9C5A3AD-785E-697D-54DD-F2D1EEBAB2B0}"/>
+                <a16:creationId xmlns:a16="http://schemas.microsoft.com/office/drawing/2014/main" id="{63C7415B-ED1A-E8A8-ED23-FDD8B1EE67BB}"/>
               </a:ext>
             </a:extLst>
           </p:cNvPr>
@@ -9806,66 +9930,14 @@
         </p:blipFill>
         <p:spPr>
           <a:xfrm>
-            <a:off x="1244565" y="6426026"/>
-            <a:ext cx="1669401" cy="794742"/>
+            <a:off x="4301300" y="3696546"/>
+            <a:ext cx="1386167" cy="693083"/>
           </a:xfrm>
           <a:prstGeom prst="rect">
             <a:avLst/>
           </a:prstGeom>
-          <a:ln w="38100" cap="sq">
-            <a:solidFill>
-              <a:srgbClr val="000000"/>
-            </a:solidFill>
-            <a:prstDash val="solid"/>
-            <a:miter lim="800000"/>
-          </a:ln>
-          <a:effectLst>
-            <a:outerShdw blurRad="50800" dist="38100" dir="2700000" algn="tl" rotWithShape="0">
-              <a:srgbClr val="000000">
-                <a:alpha val="43000"/>
-              </a:srgbClr>
-            </a:outerShdw>
-          </a:effectLst>
         </p:spPr>
       </p:pic>
-      <p:sp>
-        <p:nvSpPr>
-          <p:cNvPr id="37" name="テキスト ボックス 36">
-            <a:extLst>
-              <a:ext uri="{FF2B5EF4-FFF2-40B4-BE49-F238E27FC236}">
-                <a16:creationId xmlns:a16="http://schemas.microsoft.com/office/drawing/2014/main" id="{62DE1660-FBFA-0BAF-1FF7-ADFEFFB23A62}"/>
-              </a:ext>
-            </a:extLst>
-          </p:cNvPr>
-          <p:cNvSpPr txBox="1"/>
-          <p:nvPr/>
-        </p:nvSpPr>
-        <p:spPr>
-          <a:xfrm>
-            <a:off x="1185442" y="7273315"/>
-            <a:ext cx="492443" cy="276999"/>
-          </a:xfrm>
-          <a:prstGeom prst="rect">
-            <a:avLst/>
-          </a:prstGeom>
-          <a:noFill/>
-        </p:spPr>
-        <p:txBody>
-          <a:bodyPr wrap="square" rtlCol="0">
-            <a:spAutoFit/>
-          </a:bodyPr>
-          <a:lstStyle/>
-          <a:p>
-            <a:r>
-              <a:rPr kumimoji="1" lang="ja-JP" altLang="en-US" sz="1200" dirty="0">
-                <a:latin typeface="UD デジタル 教科書体 NP" panose="02020400000000000000" pitchFamily="18" charset="-128"/>
-                <a:ea typeface="UD デジタル 教科書体 NP" panose="02020400000000000000" pitchFamily="18" charset="-128"/>
-              </a:rPr>
-              <a:t>凡例</a:t>
-            </a:r>
-          </a:p>
-        </p:txBody>
-      </p:sp>
     </p:spTree>
     <p:extLst>
       <p:ext uri="{BB962C8B-B14F-4D97-AF65-F5344CB8AC3E}">

--- a/design/model/【モデル図】てなロボ★ぷらいまりぃ_2025.pptx
+++ b/design/model/【モデル図】てなロボ★ぷらいまりぃ_2025.pptx
@@ -1314,7 +1314,7 @@
           <a:p>
             <a:fld id="{C764DE79-268F-4C1A-8933-263129D2AF90}" type="datetimeFigureOut">
               <a:rPr lang="en-US" dirty="0"/>
-              <a:t>7/19/2025</a:t>
+              <a:t>7/20/2025</a:t>
             </a:fld>
             <a:endParaRPr lang="en-US" dirty="0"/>
           </a:p>
@@ -1409,7 +1409,7 @@
           <a:p>
             <a:fld id="{C764DE79-268F-4C1A-8933-263129D2AF90}" type="datetimeFigureOut">
               <a:rPr lang="en-US" dirty="0"/>
-              <a:t>7/19/2025</a:t>
+              <a:t>7/20/2025</a:t>
             </a:fld>
             <a:endParaRPr lang="en-US" dirty="0"/>
           </a:p>
@@ -1718,7 +1718,7 @@
           <a:p>
             <a:fld id="{C764DE79-268F-4C1A-8933-263129D2AF90}" type="datetimeFigureOut">
               <a:rPr lang="en-US" dirty="0"/>
-              <a:t>7/19/2025</a:t>
+              <a:t>7/20/2025</a:t>
             </a:fld>
             <a:endParaRPr lang="en-US" dirty="0"/>
           </a:p>
@@ -1975,7 +1975,7 @@
           <a:p>
             <a:fld id="{C764DE79-268F-4C1A-8933-263129D2AF90}" type="datetimeFigureOut">
               <a:rPr lang="en-US" dirty="0"/>
-              <a:t>7/19/2025</a:t>
+              <a:t>7/20/2025</a:t>
             </a:fld>
             <a:endParaRPr lang="en-US" dirty="0"/>
           </a:p>
@@ -2177,7 +2177,7 @@
           <a:p>
             <a:fld id="{C764DE79-268F-4C1A-8933-263129D2AF90}" type="datetimeFigureOut">
               <a:rPr lang="en-US" dirty="0"/>
-              <a:t>7/19/2025</a:t>
+              <a:t>7/20/2025</a:t>
             </a:fld>
             <a:endParaRPr lang="en-US" dirty="0"/>
           </a:p>
@@ -2389,7 +2389,7 @@
           <a:p>
             <a:fld id="{C764DE79-268F-4C1A-8933-263129D2AF90}" type="datetimeFigureOut">
               <a:rPr lang="en-US" dirty="0"/>
-              <a:t>7/19/2025</a:t>
+              <a:t>7/20/2025</a:t>
             </a:fld>
             <a:endParaRPr lang="en-US" dirty="0"/>
           </a:p>
@@ -2816,7 +2816,7 @@
           <a:p>
             <a:fld id="{C764DE79-268F-4C1A-8933-263129D2AF90}" type="datetimeFigureOut">
               <a:rPr lang="en-US" dirty="0"/>
-              <a:t>7/19/2025</a:t>
+              <a:t>7/20/2025</a:t>
             </a:fld>
             <a:endParaRPr lang="en-US" dirty="0"/>
           </a:p>
@@ -3018,7 +3018,7 @@
           <a:p>
             <a:fld id="{C764DE79-268F-4C1A-8933-263129D2AF90}" type="datetimeFigureOut">
               <a:rPr lang="en-US" dirty="0"/>
-              <a:t>7/19/2025</a:t>
+              <a:t>7/20/2025</a:t>
             </a:fld>
             <a:endParaRPr lang="en-US" dirty="0"/>
           </a:p>
@@ -3262,7 +3262,7 @@
           <a:p>
             <a:fld id="{C764DE79-268F-4C1A-8933-263129D2AF90}" type="datetimeFigureOut">
               <a:rPr lang="en-US" dirty="0"/>
-              <a:t>7/19/2025</a:t>
+              <a:t>7/20/2025</a:t>
             </a:fld>
             <a:endParaRPr lang="en-US" dirty="0"/>
           </a:p>
@@ -3558,7 +3558,7 @@
           <a:p>
             <a:fld id="{C764DE79-268F-4C1A-8933-263129D2AF90}" type="datetimeFigureOut">
               <a:rPr lang="en-US" dirty="0"/>
-              <a:t>7/19/2025</a:t>
+              <a:t>7/20/2025</a:t>
             </a:fld>
             <a:endParaRPr lang="en-US" dirty="0"/>
           </a:p>
@@ -3989,7 +3989,7 @@
           <a:p>
             <a:fld id="{C764DE79-268F-4C1A-8933-263129D2AF90}" type="datetimeFigureOut">
               <a:rPr lang="en-US" dirty="0"/>
-              <a:t>7/19/2025</a:t>
+              <a:t>7/20/2025</a:t>
             </a:fld>
             <a:endParaRPr lang="en-US" dirty="0"/>
           </a:p>
@@ -5012,7 +5012,7 @@
           <a:p>
             <a:fld id="{C764DE79-268F-4C1A-8933-263129D2AF90}" type="datetimeFigureOut">
               <a:rPr lang="en-US" dirty="0"/>
-              <a:t>7/19/2025</a:t>
+              <a:t>7/20/2025</a:t>
             </a:fld>
             <a:endParaRPr lang="en-US" dirty="0"/>
           </a:p>
@@ -8248,66 +8248,6 @@
       </p:sp>
       <p:pic>
         <p:nvPicPr>
-          <p:cNvPr id="36" name="図 35">
-            <a:extLst>
-              <a:ext uri="{FF2B5EF4-FFF2-40B4-BE49-F238E27FC236}">
-                <a16:creationId xmlns:a16="http://schemas.microsoft.com/office/drawing/2014/main" id="{8720AF0C-FA02-22B0-60B5-369A77EF2A81}"/>
-              </a:ext>
-            </a:extLst>
-          </p:cNvPr>
-          <p:cNvPicPr>
-            <a:picLocks noChangeAspect="1"/>
-          </p:cNvPicPr>
-          <p:nvPr/>
-        </p:nvPicPr>
-        <p:blipFill>
-          <a:blip r:embed="rId3"/>
-          <a:stretch>
-            <a:fillRect/>
-          </a:stretch>
-        </p:blipFill>
-        <p:spPr>
-          <a:xfrm>
-            <a:off x="11746805" y="1418537"/>
-            <a:ext cx="3004656" cy="4278630"/>
-          </a:xfrm>
-          <a:prstGeom prst="rect">
-            <a:avLst/>
-          </a:prstGeom>
-        </p:spPr>
-      </p:pic>
-      <p:pic>
-        <p:nvPicPr>
-          <p:cNvPr id="38" name="図 37">
-            <a:extLst>
-              <a:ext uri="{FF2B5EF4-FFF2-40B4-BE49-F238E27FC236}">
-                <a16:creationId xmlns:a16="http://schemas.microsoft.com/office/drawing/2014/main" id="{7CB73D8A-0901-8C67-20D8-EDC6694B7CC5}"/>
-              </a:ext>
-            </a:extLst>
-          </p:cNvPr>
-          <p:cNvPicPr>
-            <a:picLocks noChangeAspect="1"/>
-          </p:cNvPicPr>
-          <p:nvPr/>
-        </p:nvPicPr>
-        <p:blipFill>
-          <a:blip r:embed="rId4"/>
-          <a:stretch>
-            <a:fillRect/>
-          </a:stretch>
-        </p:blipFill>
-        <p:spPr>
-          <a:xfrm>
-            <a:off x="5735259" y="1390226"/>
-            <a:ext cx="5948405" cy="4442903"/>
-          </a:xfrm>
-          <a:prstGeom prst="rect">
-            <a:avLst/>
-          </a:prstGeom>
-        </p:spPr>
-      </p:pic>
-      <p:pic>
-        <p:nvPicPr>
           <p:cNvPr id="6" name="図 5">
             <a:extLst>
               <a:ext uri="{FF2B5EF4-FFF2-40B4-BE49-F238E27FC236}">
@@ -8321,7 +8261,7 @@
           <p:nvPr/>
         </p:nvPicPr>
         <p:blipFill>
-          <a:blip r:embed="rId5"/>
+          <a:blip r:embed="rId3"/>
           <a:stretch>
             <a:fillRect/>
           </a:stretch>
@@ -8956,7 +8896,7 @@
       </p:sp>
       <mc:AlternateContent xmlns:mc="http://schemas.openxmlformats.org/markup-compatibility/2006" xmlns:p14="http://schemas.microsoft.com/office/powerpoint/2010/main">
         <mc:Choice Requires="p14">
-          <p:contentPart p14:bwMode="auto" r:id="rId6">
+          <p:contentPart p14:bwMode="auto" r:id="rId4">
             <p14:nvContentPartPr>
               <p14:cNvPr id="18" name="インク 17">
                 <a:extLst>
@@ -9724,7 +9664,7 @@
         </p:nvSpPr>
         <p:spPr>
           <a:xfrm>
-            <a:off x="6046343" y="5746939"/>
+            <a:off x="6047507" y="5713195"/>
             <a:ext cx="2023311" cy="276999"/>
           </a:xfrm>
           <a:prstGeom prst="rect">
@@ -9780,7 +9720,7 @@
         </p:nvSpPr>
         <p:spPr>
           <a:xfrm>
-            <a:off x="11683664" y="5767158"/>
+            <a:off x="11743414" y="5752747"/>
             <a:ext cx="1869423" cy="276999"/>
           </a:xfrm>
           <a:prstGeom prst="rect">
@@ -9932,6 +9872,66 @@
           <a:xfrm>
             <a:off x="4301300" y="3696546"/>
             <a:ext cx="1386167" cy="693083"/>
+          </a:xfrm>
+          <a:prstGeom prst="rect">
+            <a:avLst/>
+          </a:prstGeom>
+        </p:spPr>
+      </p:pic>
+      <p:pic>
+        <p:nvPicPr>
+          <p:cNvPr id="5" name="図 4">
+            <a:extLst>
+              <a:ext uri="{FF2B5EF4-FFF2-40B4-BE49-F238E27FC236}">
+                <a16:creationId xmlns:a16="http://schemas.microsoft.com/office/drawing/2014/main" id="{473AF6BE-EC30-3130-B0A8-CA7598E9F8B6}"/>
+              </a:ext>
+            </a:extLst>
+          </p:cNvPr>
+          <p:cNvPicPr>
+            <a:picLocks noChangeAspect="1"/>
+          </p:cNvPicPr>
+          <p:nvPr/>
+        </p:nvPicPr>
+        <p:blipFill>
+          <a:blip r:embed="rId11"/>
+          <a:stretch>
+            <a:fillRect/>
+          </a:stretch>
+        </p:blipFill>
+        <p:spPr>
+          <a:xfrm>
+            <a:off x="5855847" y="1397677"/>
+            <a:ext cx="5887567" cy="4379846"/>
+          </a:xfrm>
+          <a:prstGeom prst="rect">
+            <a:avLst/>
+          </a:prstGeom>
+        </p:spPr>
+      </p:pic>
+      <p:pic>
+        <p:nvPicPr>
+          <p:cNvPr id="9" name="図 8">
+            <a:extLst>
+              <a:ext uri="{FF2B5EF4-FFF2-40B4-BE49-F238E27FC236}">
+                <a16:creationId xmlns:a16="http://schemas.microsoft.com/office/drawing/2014/main" id="{46974EB5-917D-1853-0FE8-151426A9C03A}"/>
+              </a:ext>
+            </a:extLst>
+          </p:cNvPr>
+          <p:cNvPicPr>
+            <a:picLocks noChangeAspect="1"/>
+          </p:cNvPicPr>
+          <p:nvPr/>
+        </p:nvPicPr>
+        <p:blipFill>
+          <a:blip r:embed="rId12"/>
+          <a:stretch>
+            <a:fillRect/>
+          </a:stretch>
+        </p:blipFill>
+        <p:spPr>
+          <a:xfrm>
+            <a:off x="11780811" y="1356199"/>
+            <a:ext cx="3074028" cy="4383641"/>
           </a:xfrm>
           <a:prstGeom prst="rect">
             <a:avLst/>

--- a/design/model/【モデル図】てなロボ★ぷらいまりぃ_2025.pptx
+++ b/design/model/【モデル図】てなロボ★ぷらいまりぃ_2025.pptx
@@ -9776,7 +9776,7 @@
         </p:nvSpPr>
         <p:spPr>
           <a:xfrm>
-            <a:off x="6489545" y="10339899"/>
+            <a:off x="5790242" y="10350036"/>
             <a:ext cx="1869423" cy="276999"/>
           </a:xfrm>
           <a:prstGeom prst="rect">
@@ -9932,6 +9932,36 @@
           <a:xfrm>
             <a:off x="11780811" y="1356199"/>
             <a:ext cx="3074028" cy="4383641"/>
+          </a:xfrm>
+          <a:prstGeom prst="rect">
+            <a:avLst/>
+          </a:prstGeom>
+        </p:spPr>
+      </p:pic>
+      <p:pic>
+        <p:nvPicPr>
+          <p:cNvPr id="4" name="図 3">
+            <a:extLst>
+              <a:ext uri="{FF2B5EF4-FFF2-40B4-BE49-F238E27FC236}">
+                <a16:creationId xmlns:a16="http://schemas.microsoft.com/office/drawing/2014/main" id="{3A20AA3D-94C6-C5B8-7397-C88C400A261B}"/>
+              </a:ext>
+            </a:extLst>
+          </p:cNvPr>
+          <p:cNvPicPr>
+            <a:picLocks noChangeAspect="1"/>
+          </p:cNvPicPr>
+          <p:nvPr/>
+        </p:nvPicPr>
+        <p:blipFill>
+          <a:blip r:embed="rId13"/>
+          <a:stretch>
+            <a:fillRect/>
+          </a:stretch>
+        </p:blipFill>
+        <p:spPr>
+          <a:xfrm>
+            <a:off x="5790242" y="6788172"/>
+            <a:ext cx="9112263" cy="3596644"/>
           </a:xfrm>
           <a:prstGeom prst="rect">
             <a:avLst/>

--- a/design/model/【モデル図】てなロボ★ぷらいまりぃ_2025.pptx
+++ b/design/model/【モデル図】てなロボ★ぷらいまりぃ_2025.pptx
@@ -7646,7 +7646,7 @@
                 <a:latin typeface="UD デジタル 教科書体 NP" panose="02020400000000000000" pitchFamily="18" charset="-128"/>
                 <a:ea typeface="UD デジタル 教科書体 NP" panose="02020400000000000000" pitchFamily="18" charset="-128"/>
               </a:rPr>
-              <a:t>区間の走行方法と終了条件、図</a:t>
+              <a:t>、図</a:t>
             </a:r>
             <a:r>
               <a:rPr lang="en-US" altLang="ja-JP" sz="1400" dirty="0">
@@ -7660,7 +7660,7 @@
                 <a:latin typeface="UD デジタル 教科書体 NP" panose="02020400000000000000" pitchFamily="18" charset="-128"/>
                 <a:ea typeface="UD デジタル 教科書体 NP" panose="02020400000000000000" pitchFamily="18" charset="-128"/>
               </a:rPr>
-              <a:t>コースの区間分割参照</a:t>
+              <a:t>参照</a:t>
             </a:r>
             <a:r>
               <a:rPr lang="en-US" altLang="ja-JP" sz="1400" dirty="0">
@@ -9236,7 +9236,7 @@
                 <a:latin typeface="UD デジタル 教科書体 NP" panose="02020400000000000000" pitchFamily="18" charset="-128"/>
                 <a:ea typeface="UD デジタル 教科書体 NP" panose="02020400000000000000" pitchFamily="18" charset="-128"/>
               </a:rPr>
-              <a:t>ミスユースケース図に表した。</a:t>
+              <a:t>に表した。</a:t>
             </a:r>
             <a:br>
               <a:rPr lang="en-US" altLang="ja-JP" sz="1400" dirty="0">
@@ -9277,7 +9277,7 @@
                 <a:latin typeface="UD デジタル 教科書体 NP" panose="02020400000000000000" pitchFamily="18" charset="-128"/>
                 <a:ea typeface="UD デジタル 教科書体 NP" panose="02020400000000000000" pitchFamily="18" charset="-128"/>
               </a:rPr>
-              <a:t>ユースケース記述に示した。</a:t>
+              <a:t>に示した。</a:t>
             </a:r>
             <a:endParaRPr lang="en-US" altLang="ja-JP" sz="1400" dirty="0">
               <a:latin typeface="UD デジタル 教科書体 NP" panose="02020400000000000000" pitchFamily="18" charset="-128"/>
@@ -9494,7 +9494,7 @@
                 <a:latin typeface="UD デジタル 教科書体 NP" panose="02020400000000000000" pitchFamily="18" charset="-128"/>
                 <a:ea typeface="UD デジタル 教科書体 NP" panose="02020400000000000000" pitchFamily="18" charset="-128"/>
               </a:rPr>
-              <a:t>アクティビティ図に示した。</a:t>
+              <a:t>に示した。</a:t>
             </a:r>
             <a:endParaRPr lang="en-US" altLang="ja-JP" sz="1400" dirty="0">
               <a:latin typeface="UD デジタル 教科書体 NP" panose="02020400000000000000" pitchFamily="18" charset="-128"/>
@@ -9998,6 +9998,66 @@
           <a:chExt cx="0" cy="0"/>
         </a:xfrm>
       </p:grpSpPr>
+      <p:pic>
+        <p:nvPicPr>
+          <p:cNvPr id="7" name="図 6">
+            <a:extLst>
+              <a:ext uri="{FF2B5EF4-FFF2-40B4-BE49-F238E27FC236}">
+                <a16:creationId xmlns:a16="http://schemas.microsoft.com/office/drawing/2014/main" id="{51189F7C-2D9A-4B75-AB6C-4CF820462714}"/>
+              </a:ext>
+            </a:extLst>
+          </p:cNvPr>
+          <p:cNvPicPr>
+            <a:picLocks noChangeAspect="1"/>
+          </p:cNvPicPr>
+          <p:nvPr/>
+        </p:nvPicPr>
+        <p:blipFill>
+          <a:blip r:embed="rId2"/>
+          <a:stretch>
+            <a:fillRect/>
+          </a:stretch>
+        </p:blipFill>
+        <p:spPr>
+          <a:xfrm>
+            <a:off x="337767" y="8009530"/>
+            <a:ext cx="3974362" cy="2354783"/>
+          </a:xfrm>
+          <a:prstGeom prst="rect">
+            <a:avLst/>
+          </a:prstGeom>
+        </p:spPr>
+      </p:pic>
+      <p:pic>
+        <p:nvPicPr>
+          <p:cNvPr id="5" name="図 4">
+            <a:extLst>
+              <a:ext uri="{FF2B5EF4-FFF2-40B4-BE49-F238E27FC236}">
+                <a16:creationId xmlns:a16="http://schemas.microsoft.com/office/drawing/2014/main" id="{6C305156-E43A-4005-F2EA-D8F17D3F877E}"/>
+              </a:ext>
+            </a:extLst>
+          </p:cNvPr>
+          <p:cNvPicPr>
+            <a:picLocks noChangeAspect="1"/>
+          </p:cNvPicPr>
+          <p:nvPr/>
+        </p:nvPicPr>
+        <p:blipFill>
+          <a:blip r:embed="rId3"/>
+          <a:stretch>
+            <a:fillRect/>
+          </a:stretch>
+        </p:blipFill>
+        <p:spPr>
+          <a:xfrm>
+            <a:off x="286865" y="4709598"/>
+            <a:ext cx="3906993" cy="3081260"/>
+          </a:xfrm>
+          <a:prstGeom prst="rect">
+            <a:avLst/>
+          </a:prstGeom>
+        </p:spPr>
+      </p:pic>
       <p:sp>
         <p:nvSpPr>
           <p:cNvPr id="31" name="Rectangle 3">
@@ -10015,7 +10075,7 @@
         <p:spPr bwMode="auto">
           <a:xfrm>
             <a:off x="152497" y="652981"/>
-            <a:ext cx="4456052" cy="9937185"/>
+            <a:ext cx="4344903" cy="9937185"/>
           </a:xfrm>
           <a:prstGeom prst="rect">
             <a:avLst/>
@@ -10188,12 +10248,338 @@
               </a:spcBef>
             </a:pPr>
             <a:r>
+              <a:rPr lang="ja-JP" altLang="en-US" sz="1400" dirty="0">
+                <a:latin typeface="UD デジタル 教科書体 NP" panose="02020400000000000000" pitchFamily="18" charset="-128"/>
+                <a:ea typeface="UD デジタル 教科書体 NP" panose="02020400000000000000" pitchFamily="18" charset="-128"/>
+              </a:rPr>
+              <a:t>機能の実現に向けて、初めに走行体制御における</a:t>
+            </a:r>
+            <a:endParaRPr lang="en-US" altLang="ja-JP" sz="1400" dirty="0">
+              <a:latin typeface="UD デジタル 教科書体 NP" panose="02020400000000000000" pitchFamily="18" charset="-128"/>
+              <a:ea typeface="UD デジタル 教科書体 NP" panose="02020400000000000000" pitchFamily="18" charset="-128"/>
+            </a:endParaRPr>
+          </a:p>
+          <a:p>
+            <a:pPr eaLnBrk="1" hangingPunct="1">
+              <a:lnSpc>
+                <a:spcPct val="80000"/>
+              </a:lnSpc>
+              <a:spcBef>
+                <a:spcPct val="20000"/>
+              </a:spcBef>
+            </a:pPr>
+            <a:r>
+              <a:rPr lang="ja-JP" altLang="en-US" sz="1400" dirty="0">
+                <a:latin typeface="UD デジタル 教科書体 NP" panose="02020400000000000000" pitchFamily="18" charset="-128"/>
+                <a:ea typeface="UD デジタル 教科書体 NP" panose="02020400000000000000" pitchFamily="18" charset="-128"/>
+              </a:rPr>
+              <a:t>データの流れに着目し図</a:t>
+            </a:r>
+            <a:r>
               <a:rPr lang="en-US" altLang="ja-JP" sz="1400" dirty="0">
                 <a:latin typeface="UD デジタル 教科書体 NP" panose="02020400000000000000" pitchFamily="18" charset="-128"/>
                 <a:ea typeface="UD デジタル 教科書体 NP" panose="02020400000000000000" pitchFamily="18" charset="-128"/>
               </a:rPr>
-              <a:t>XXX</a:t>
-            </a:r>
+              <a:t>2.1</a:t>
+            </a:r>
+            <a:r>
+              <a:rPr lang="ja-JP" altLang="en-US" sz="1400" dirty="0">
+                <a:latin typeface="UD デジタル 教科書体 NP" panose="02020400000000000000" pitchFamily="18" charset="-128"/>
+                <a:ea typeface="UD デジタル 教科書体 NP" panose="02020400000000000000" pitchFamily="18" charset="-128"/>
+              </a:rPr>
+              <a:t>に整理した。</a:t>
+            </a:r>
+            <a:endParaRPr lang="en-US" altLang="ja-JP" sz="1400" dirty="0">
+              <a:latin typeface="UD デジタル 教科書体 NP" panose="02020400000000000000" pitchFamily="18" charset="-128"/>
+              <a:ea typeface="UD デジタル 教科書体 NP" panose="02020400000000000000" pitchFamily="18" charset="-128"/>
+            </a:endParaRPr>
+          </a:p>
+          <a:p>
+            <a:pPr eaLnBrk="1" hangingPunct="1">
+              <a:lnSpc>
+                <a:spcPct val="80000"/>
+              </a:lnSpc>
+              <a:spcBef>
+                <a:spcPct val="20000"/>
+              </a:spcBef>
+            </a:pPr>
+            <a:endParaRPr lang="en-US" altLang="ja-JP" sz="1400" dirty="0">
+              <a:latin typeface="UD デジタル 教科書体 NP" panose="02020400000000000000" pitchFamily="18" charset="-128"/>
+              <a:ea typeface="UD デジタル 教科書体 NP" panose="02020400000000000000" pitchFamily="18" charset="-128"/>
+            </a:endParaRPr>
+          </a:p>
+          <a:p>
+            <a:pPr eaLnBrk="1" hangingPunct="1">
+              <a:lnSpc>
+                <a:spcPct val="80000"/>
+              </a:lnSpc>
+              <a:spcBef>
+                <a:spcPct val="20000"/>
+              </a:spcBef>
+            </a:pPr>
+            <a:endParaRPr lang="en-US" altLang="ja-JP" sz="1400" dirty="0">
+              <a:latin typeface="UD デジタル 教科書体 NP" panose="02020400000000000000" pitchFamily="18" charset="-128"/>
+              <a:ea typeface="UD デジタル 教科書体 NP" panose="02020400000000000000" pitchFamily="18" charset="-128"/>
+            </a:endParaRPr>
+          </a:p>
+          <a:p>
+            <a:pPr eaLnBrk="1" hangingPunct="1">
+              <a:lnSpc>
+                <a:spcPct val="80000"/>
+              </a:lnSpc>
+              <a:spcBef>
+                <a:spcPct val="20000"/>
+              </a:spcBef>
+            </a:pPr>
+            <a:endParaRPr lang="en-US" altLang="ja-JP" sz="1400" dirty="0">
+              <a:latin typeface="UD デジタル 教科書体 NP" panose="02020400000000000000" pitchFamily="18" charset="-128"/>
+              <a:ea typeface="UD デジタル 教科書体 NP" panose="02020400000000000000" pitchFamily="18" charset="-128"/>
+            </a:endParaRPr>
+          </a:p>
+          <a:p>
+            <a:pPr eaLnBrk="1" hangingPunct="1">
+              <a:lnSpc>
+                <a:spcPct val="80000"/>
+              </a:lnSpc>
+              <a:spcBef>
+                <a:spcPct val="20000"/>
+              </a:spcBef>
+            </a:pPr>
+            <a:endParaRPr lang="en-US" altLang="ja-JP" sz="1400" dirty="0">
+              <a:latin typeface="UD デジタル 教科書体 NP" panose="02020400000000000000" pitchFamily="18" charset="-128"/>
+              <a:ea typeface="UD デジタル 教科書体 NP" panose="02020400000000000000" pitchFamily="18" charset="-128"/>
+            </a:endParaRPr>
+          </a:p>
+          <a:p>
+            <a:pPr eaLnBrk="1" hangingPunct="1">
+              <a:lnSpc>
+                <a:spcPct val="80000"/>
+              </a:lnSpc>
+              <a:spcBef>
+                <a:spcPct val="20000"/>
+              </a:spcBef>
+            </a:pPr>
+            <a:endParaRPr lang="en-US" altLang="ja-JP" sz="1400" dirty="0">
+              <a:latin typeface="UD デジタル 教科書体 NP" panose="02020400000000000000" pitchFamily="18" charset="-128"/>
+              <a:ea typeface="UD デジタル 教科書体 NP" panose="02020400000000000000" pitchFamily="18" charset="-128"/>
+            </a:endParaRPr>
+          </a:p>
+          <a:p>
+            <a:pPr eaLnBrk="1" hangingPunct="1">
+              <a:lnSpc>
+                <a:spcPct val="80000"/>
+              </a:lnSpc>
+              <a:spcBef>
+                <a:spcPct val="20000"/>
+              </a:spcBef>
+            </a:pPr>
+            <a:endParaRPr lang="en-US" altLang="ja-JP" sz="1400" dirty="0">
+              <a:latin typeface="UD デジタル 教科書体 NP" panose="02020400000000000000" pitchFamily="18" charset="-128"/>
+              <a:ea typeface="UD デジタル 教科書体 NP" panose="02020400000000000000" pitchFamily="18" charset="-128"/>
+            </a:endParaRPr>
+          </a:p>
+          <a:p>
+            <a:pPr eaLnBrk="1" hangingPunct="1">
+              <a:lnSpc>
+                <a:spcPct val="80000"/>
+              </a:lnSpc>
+              <a:spcBef>
+                <a:spcPct val="20000"/>
+              </a:spcBef>
+            </a:pPr>
+            <a:endParaRPr lang="en-US" altLang="ja-JP" sz="1400" dirty="0">
+              <a:latin typeface="UD デジタル 教科書体 NP" panose="02020400000000000000" pitchFamily="18" charset="-128"/>
+              <a:ea typeface="UD デジタル 教科書体 NP" panose="02020400000000000000" pitchFamily="18" charset="-128"/>
+            </a:endParaRPr>
+          </a:p>
+          <a:p>
+            <a:pPr eaLnBrk="1" hangingPunct="1">
+              <a:lnSpc>
+                <a:spcPct val="80000"/>
+              </a:lnSpc>
+              <a:spcBef>
+                <a:spcPct val="20000"/>
+              </a:spcBef>
+            </a:pPr>
+            <a:endParaRPr lang="en-US" altLang="ja-JP" sz="1400" dirty="0">
+              <a:latin typeface="UD デジタル 教科書体 NP" panose="02020400000000000000" pitchFamily="18" charset="-128"/>
+              <a:ea typeface="UD デジタル 教科書体 NP" panose="02020400000000000000" pitchFamily="18" charset="-128"/>
+            </a:endParaRPr>
+          </a:p>
+          <a:p>
+            <a:pPr eaLnBrk="1" hangingPunct="1">
+              <a:lnSpc>
+                <a:spcPct val="80000"/>
+              </a:lnSpc>
+              <a:spcBef>
+                <a:spcPct val="20000"/>
+              </a:spcBef>
+            </a:pPr>
+            <a:endParaRPr lang="en-US" altLang="ja-JP" sz="1400" dirty="0">
+              <a:latin typeface="UD デジタル 教科書体 NP" panose="02020400000000000000" pitchFamily="18" charset="-128"/>
+              <a:ea typeface="UD デジタル 教科書体 NP" panose="02020400000000000000" pitchFamily="18" charset="-128"/>
+            </a:endParaRPr>
+          </a:p>
+          <a:p>
+            <a:pPr eaLnBrk="1" hangingPunct="1">
+              <a:lnSpc>
+                <a:spcPct val="80000"/>
+              </a:lnSpc>
+              <a:spcBef>
+                <a:spcPct val="20000"/>
+              </a:spcBef>
+            </a:pPr>
+            <a:endParaRPr lang="en-US" altLang="ja-JP" sz="1400" dirty="0">
+              <a:latin typeface="UD デジタル 教科書体 NP" panose="02020400000000000000" pitchFamily="18" charset="-128"/>
+              <a:ea typeface="UD デジタル 教科書体 NP" panose="02020400000000000000" pitchFamily="18" charset="-128"/>
+            </a:endParaRPr>
+          </a:p>
+          <a:p>
+            <a:pPr eaLnBrk="1" hangingPunct="1">
+              <a:lnSpc>
+                <a:spcPct val="80000"/>
+              </a:lnSpc>
+              <a:spcBef>
+                <a:spcPct val="20000"/>
+              </a:spcBef>
+            </a:pPr>
+            <a:endParaRPr lang="en-US" altLang="ja-JP" sz="1400" dirty="0">
+              <a:latin typeface="UD デジタル 教科書体 NP" panose="02020400000000000000" pitchFamily="18" charset="-128"/>
+              <a:ea typeface="UD デジタル 教科書体 NP" panose="02020400000000000000" pitchFamily="18" charset="-128"/>
+            </a:endParaRPr>
+          </a:p>
+          <a:p>
+            <a:pPr eaLnBrk="1" hangingPunct="1">
+              <a:lnSpc>
+                <a:spcPct val="80000"/>
+              </a:lnSpc>
+              <a:spcBef>
+                <a:spcPct val="20000"/>
+              </a:spcBef>
+            </a:pPr>
+            <a:r>
+              <a:rPr lang="ja-JP" altLang="en-US" sz="1400" dirty="0">
+                <a:latin typeface="UD デジタル 教科書体 NP" panose="02020400000000000000" pitchFamily="18" charset="-128"/>
+                <a:ea typeface="UD デジタル 教科書体 NP" panose="02020400000000000000" pitchFamily="18" charset="-128"/>
+              </a:rPr>
+              <a:t>上記のデータの流れを基に導出したパッケージを</a:t>
+            </a:r>
+            <a:endParaRPr lang="en-US" altLang="ja-JP" sz="1400" dirty="0">
+              <a:latin typeface="UD デジタル 教科書体 NP" panose="02020400000000000000" pitchFamily="18" charset="-128"/>
+              <a:ea typeface="UD デジタル 教科書体 NP" panose="02020400000000000000" pitchFamily="18" charset="-128"/>
+            </a:endParaRPr>
+          </a:p>
+          <a:p>
+            <a:pPr eaLnBrk="1" hangingPunct="1">
+              <a:lnSpc>
+                <a:spcPct val="80000"/>
+              </a:lnSpc>
+              <a:spcBef>
+                <a:spcPct val="20000"/>
+              </a:spcBef>
+            </a:pPr>
+            <a:r>
+              <a:rPr lang="ja-JP" altLang="en-US" sz="1400" dirty="0">
+                <a:latin typeface="UD デジタル 教科書体 NP" panose="02020400000000000000" pitchFamily="18" charset="-128"/>
+                <a:ea typeface="UD デジタル 教科書体 NP" panose="02020400000000000000" pitchFamily="18" charset="-128"/>
+              </a:rPr>
+              <a:t>図２</a:t>
+            </a:r>
+            <a:r>
+              <a:rPr lang="en-US" altLang="ja-JP" sz="1400" dirty="0">
+                <a:latin typeface="UD デジタル 教科書体 NP" panose="02020400000000000000" pitchFamily="18" charset="-128"/>
+                <a:ea typeface="UD デジタル 教科書体 NP" panose="02020400000000000000" pitchFamily="18" charset="-128"/>
+              </a:rPr>
+              <a:t>.2</a:t>
+            </a:r>
+            <a:r>
+              <a:rPr lang="ja-JP" altLang="en-US" sz="1400" dirty="0">
+                <a:latin typeface="UD デジタル 教科書体 NP" panose="02020400000000000000" pitchFamily="18" charset="-128"/>
+                <a:ea typeface="UD デジタル 教科書体 NP" panose="02020400000000000000" pitchFamily="18" charset="-128"/>
+              </a:rPr>
+              <a:t>に、パッケージの役割を表</a:t>
+            </a:r>
+            <a:r>
+              <a:rPr lang="en-US" altLang="ja-JP" sz="1400" dirty="0">
+                <a:latin typeface="UD デジタル 教科書体 NP" panose="02020400000000000000" pitchFamily="18" charset="-128"/>
+                <a:ea typeface="UD デジタル 教科書体 NP" panose="02020400000000000000" pitchFamily="18" charset="-128"/>
+              </a:rPr>
+              <a:t>2.1</a:t>
+            </a:r>
+            <a:r>
+              <a:rPr lang="ja-JP" altLang="en-US" sz="1400" dirty="0">
+                <a:latin typeface="UD デジタル 教科書体 NP" panose="02020400000000000000" pitchFamily="18" charset="-128"/>
+                <a:ea typeface="UD デジタル 教科書体 NP" panose="02020400000000000000" pitchFamily="18" charset="-128"/>
+              </a:rPr>
+              <a:t>に表した。</a:t>
+            </a:r>
+            <a:endParaRPr lang="en-US" altLang="ja-JP" sz="1400" dirty="0">
+              <a:latin typeface="UD デジタル 教科書体 NP" panose="02020400000000000000" pitchFamily="18" charset="-128"/>
+              <a:ea typeface="UD デジタル 教科書体 NP" panose="02020400000000000000" pitchFamily="18" charset="-128"/>
+            </a:endParaRPr>
+          </a:p>
+          <a:p>
+            <a:pPr eaLnBrk="1" hangingPunct="1">
+              <a:lnSpc>
+                <a:spcPct val="80000"/>
+              </a:lnSpc>
+              <a:spcBef>
+                <a:spcPct val="20000"/>
+              </a:spcBef>
+            </a:pPr>
+            <a:r>
+              <a:rPr lang="ja-JP" altLang="en-US" sz="1400" dirty="0">
+                <a:latin typeface="UD デジタル 教科書体 NP" panose="02020400000000000000" pitchFamily="18" charset="-128"/>
+                <a:ea typeface="UD デジタル 教科書体 NP" panose="02020400000000000000" pitchFamily="18" charset="-128"/>
+              </a:rPr>
+              <a:t>その際、入力と出力の実行周期に差が生じることを</a:t>
+            </a:r>
+            <a:endParaRPr lang="en-US" altLang="ja-JP" sz="1400" dirty="0">
+              <a:latin typeface="UD デジタル 教科書体 NP" panose="02020400000000000000" pitchFamily="18" charset="-128"/>
+              <a:ea typeface="UD デジタル 教科書体 NP" panose="02020400000000000000" pitchFamily="18" charset="-128"/>
+            </a:endParaRPr>
+          </a:p>
+          <a:p>
+            <a:pPr eaLnBrk="1" hangingPunct="1">
+              <a:lnSpc>
+                <a:spcPct val="80000"/>
+              </a:lnSpc>
+              <a:spcBef>
+                <a:spcPct val="20000"/>
+              </a:spcBef>
+            </a:pPr>
+            <a:r>
+              <a:rPr lang="ja-JP" altLang="en-US" sz="1400" dirty="0">
+                <a:latin typeface="UD デジタル 教科書体 NP" panose="02020400000000000000" pitchFamily="18" charset="-128"/>
+                <a:ea typeface="UD デジタル 教科書体 NP" panose="02020400000000000000" pitchFamily="18" charset="-128"/>
+              </a:rPr>
+              <a:t>考慮し、駆動パッケージと知覚パッケージの間に</a:t>
+            </a:r>
+            <a:endParaRPr lang="en-US" altLang="ja-JP" sz="1400" dirty="0">
+              <a:latin typeface="UD デジタル 教科書体 NP" panose="02020400000000000000" pitchFamily="18" charset="-128"/>
+              <a:ea typeface="UD デジタル 教科書体 NP" panose="02020400000000000000" pitchFamily="18" charset="-128"/>
+            </a:endParaRPr>
+          </a:p>
+          <a:p>
+            <a:pPr eaLnBrk="1" hangingPunct="1">
+              <a:lnSpc>
+                <a:spcPct val="80000"/>
+              </a:lnSpc>
+              <a:spcBef>
+                <a:spcPct val="20000"/>
+              </a:spcBef>
+            </a:pPr>
+            <a:r>
+              <a:rPr lang="ja-JP" altLang="en-US" sz="1400" dirty="0">
+                <a:latin typeface="UD デジタル 教科書体 NP" panose="02020400000000000000" pitchFamily="18" charset="-128"/>
+                <a:ea typeface="UD デジタル 教科書体 NP" panose="02020400000000000000" pitchFamily="18" charset="-128"/>
+              </a:rPr>
+              <a:t>記憶領域パッケージを配置した。</a:t>
+            </a:r>
+            <a:endParaRPr lang="en-US" altLang="ja-JP" sz="1400" dirty="0">
+              <a:latin typeface="UD デジタル 教科書体 NP" panose="02020400000000000000" pitchFamily="18" charset="-128"/>
+              <a:ea typeface="UD デジタル 教科書体 NP" panose="02020400000000000000" pitchFamily="18" charset="-128"/>
+            </a:endParaRPr>
           </a:p>
         </p:txBody>
       </p:sp>
@@ -10212,7 +10598,7 @@
           <p:nvPr/>
         </p:nvPicPr>
         <p:blipFill>
-          <a:blip r:embed="rId2"/>
+          <a:blip r:embed="rId4"/>
           <a:stretch>
             <a:fillRect/>
           </a:stretch>
@@ -10877,7 +11263,7 @@
       </p:sp>
       <mc:AlternateContent xmlns:mc="http://schemas.openxmlformats.org/markup-compatibility/2006" xmlns:p14="http://schemas.microsoft.com/office/powerpoint/2010/main">
         <mc:Choice Requires="p14">
-          <p:contentPart p14:bwMode="auto" r:id="rId3">
+          <p:contentPart p14:bwMode="auto" r:id="rId5">
             <p14:nvContentPartPr>
               <p14:cNvPr id="34" name="インク 33">
                 <a:extLst>
@@ -10909,7 +11295,7 @@
               <p:nvPr/>
             </p:nvPicPr>
             <p:blipFill>
-              <a:blip r:embed="rId4"/>
+              <a:blip r:embed="rId6"/>
               <a:stretch>
                 <a:fillRect/>
               </a:stretch>
@@ -10928,7 +11314,7 @@
       </mc:AlternateContent>
       <mc:AlternateContent xmlns:mc="http://schemas.openxmlformats.org/markup-compatibility/2006" xmlns:p14="http://schemas.microsoft.com/office/powerpoint/2010/main">
         <mc:Choice Requires="p14">
-          <p:contentPart p14:bwMode="auto" r:id="rId5">
+          <p:contentPart p14:bwMode="auto" r:id="rId7">
             <p14:nvContentPartPr>
               <p14:cNvPr id="35" name="インク 34">
                 <a:extLst>
@@ -10960,7 +11346,7 @@
               <p:nvPr/>
             </p:nvPicPr>
             <p:blipFill>
-              <a:blip r:embed="rId4"/>
+              <a:blip r:embed="rId6"/>
               <a:stretch>
                 <a:fillRect/>
               </a:stretch>
@@ -11222,8 +11608,8 @@
         </p:nvSpPr>
         <p:spPr>
           <a:xfrm>
-            <a:off x="191014" y="10302866"/>
-            <a:ext cx="1595309" cy="276999"/>
+            <a:off x="430883" y="7732531"/>
+            <a:ext cx="1614545" cy="276999"/>
           </a:xfrm>
           <a:prstGeom prst="rect">
             <a:avLst/>
@@ -11248,7 +11634,21 @@
                 <a:latin typeface="UD デジタル 教科書体 NP" panose="02020400000000000000" pitchFamily="18" charset="-128"/>
                 <a:ea typeface="UD デジタル 教科書体 NP" panose="02020400000000000000" pitchFamily="18" charset="-128"/>
               </a:rPr>
-              <a:t>2-1 </a:t>
+              <a:t>2.</a:t>
+            </a:r>
+            <a:r>
+              <a:rPr lang="ja-JP" altLang="en-US" sz="1200" dirty="0">
+                <a:latin typeface="UD デジタル 教科書体 NP" panose="02020400000000000000" pitchFamily="18" charset="-128"/>
+                <a:ea typeface="UD デジタル 教科書体 NP" panose="02020400000000000000" pitchFamily="18" charset="-128"/>
+              </a:rPr>
+              <a:t>２</a:t>
+            </a:r>
+            <a:r>
+              <a:rPr lang="en-US" altLang="ja-JP" sz="1200" dirty="0">
+                <a:latin typeface="UD デジタル 教科書体 NP" panose="02020400000000000000" pitchFamily="18" charset="-128"/>
+                <a:ea typeface="UD デジタル 教科書体 NP" panose="02020400000000000000" pitchFamily="18" charset="-128"/>
+              </a:rPr>
+              <a:t> </a:t>
             </a:r>
             <a:r>
               <a:rPr lang="ja-JP" altLang="en-US" sz="1200" dirty="0">
@@ -11278,8 +11678,8 @@
         </p:nvSpPr>
         <p:spPr>
           <a:xfrm>
-            <a:off x="191014" y="4686239"/>
-            <a:ext cx="1903085" cy="276999"/>
+            <a:off x="664972" y="3398915"/>
+            <a:ext cx="1561646" cy="276999"/>
           </a:xfrm>
           <a:prstGeom prst="rect">
             <a:avLst/>
@@ -11297,21 +11697,21 @@
                 <a:latin typeface="UD デジタル 教科書体 NP" panose="02020400000000000000" pitchFamily="18" charset="-128"/>
                 <a:ea typeface="UD デジタル 教科書体 NP" panose="02020400000000000000" pitchFamily="18" charset="-128"/>
               </a:rPr>
-              <a:t>表</a:t>
+              <a:t>図</a:t>
             </a:r>
             <a:r>
               <a:rPr lang="en-US" altLang="ja-JP" sz="1200" dirty="0">
                 <a:latin typeface="UD デジタル 教科書体 NP" panose="02020400000000000000" pitchFamily="18" charset="-128"/>
                 <a:ea typeface="UD デジタル 教科書体 NP" panose="02020400000000000000" pitchFamily="18" charset="-128"/>
               </a:rPr>
-              <a:t>2-1 </a:t>
+              <a:t>2.1 </a:t>
             </a:r>
             <a:r>
               <a:rPr lang="ja-JP" altLang="en-US" sz="1200" dirty="0">
                 <a:latin typeface="UD デジタル 教科書体 NP" panose="02020400000000000000" pitchFamily="18" charset="-128"/>
                 <a:ea typeface="UD デジタル 教科書体 NP" panose="02020400000000000000" pitchFamily="18" charset="-128"/>
               </a:rPr>
-              <a:t>パッケージの役割</a:t>
+              <a:t>データの流れ</a:t>
             </a:r>
             <a:endParaRPr kumimoji="1" lang="ja-JP" altLang="en-US" sz="1200" dirty="0">
               <a:latin typeface="UD デジタル 教科書体 NP" panose="02020400000000000000" pitchFamily="18" charset="-128"/>
@@ -11322,10 +11722,10 @@
       </p:sp>
       <p:pic>
         <p:nvPicPr>
-          <p:cNvPr id="68" name="図 67">
+          <p:cNvPr id="19" name="図 18">
             <a:extLst>
               <a:ext uri="{FF2B5EF4-FFF2-40B4-BE49-F238E27FC236}">
-                <a16:creationId xmlns:a16="http://schemas.microsoft.com/office/drawing/2014/main" id="{E09A3170-82AC-AEAB-BD01-01F352BF6ADC}"/>
+                <a16:creationId xmlns:a16="http://schemas.microsoft.com/office/drawing/2014/main" id="{E85501B5-AAB6-DD4C-5B36-8A8065F3F1CE}"/>
               </a:ext>
             </a:extLst>
           </p:cNvPr>
@@ -11335,51 +11735,77 @@
           <p:nvPr/>
         </p:nvPicPr>
         <p:blipFill>
-          <a:blip r:embed="rId6"/>
+          <a:blip r:embed="rId8"/>
           <a:stretch>
             <a:fillRect/>
           </a:stretch>
         </p:blipFill>
         <p:spPr>
           <a:xfrm>
-            <a:off x="207687" y="2100031"/>
-            <a:ext cx="4289713" cy="2534831"/>
+            <a:off x="664972" y="1395085"/>
+            <a:ext cx="3150781" cy="2043750"/>
           </a:xfrm>
           <a:prstGeom prst="rect">
             <a:avLst/>
           </a:prstGeom>
         </p:spPr>
       </p:pic>
-      <p:pic>
-        <p:nvPicPr>
-          <p:cNvPr id="70" name="図 69">
+      <p:sp>
+        <p:nvSpPr>
+          <p:cNvPr id="20" name="テキスト ボックス 19">
             <a:extLst>
               <a:ext uri="{FF2B5EF4-FFF2-40B4-BE49-F238E27FC236}">
-                <a16:creationId xmlns:a16="http://schemas.microsoft.com/office/drawing/2014/main" id="{F9924375-9B38-9CC0-B205-1D5656EBEBA8}"/>
+                <a16:creationId xmlns:a16="http://schemas.microsoft.com/office/drawing/2014/main" id="{55FF38BC-3120-EC73-EBE3-6BD235050E98}"/>
               </a:ext>
             </a:extLst>
           </p:cNvPr>
-          <p:cNvPicPr>
-            <a:picLocks noChangeAspect="1"/>
-          </p:cNvPicPr>
+          <p:cNvSpPr txBox="1"/>
           <p:nvPr/>
-        </p:nvPicPr>
-        <p:blipFill>
-          <a:blip r:embed="rId7"/>
-          <a:stretch>
-            <a:fillRect/>
-          </a:stretch>
-        </p:blipFill>
+        </p:nvSpPr>
         <p:spPr>
           <a:xfrm>
-            <a:off x="226103" y="6858074"/>
-            <a:ext cx="4347357" cy="3444792"/>
+            <a:off x="436866" y="10364313"/>
+            <a:ext cx="1869423" cy="276999"/>
           </a:xfrm>
           <a:prstGeom prst="rect">
             <a:avLst/>
           </a:prstGeom>
+          <a:noFill/>
         </p:spPr>
-      </p:pic>
+        <p:txBody>
+          <a:bodyPr wrap="none" rtlCol="0">
+            <a:spAutoFit/>
+          </a:bodyPr>
+          <a:lstStyle/>
+          <a:p>
+            <a:r>
+              <a:rPr lang="ja-JP" altLang="en-US" sz="1200" dirty="0">
+                <a:latin typeface="UD デジタル 教科書体 NP" panose="02020400000000000000" pitchFamily="18" charset="-128"/>
+                <a:ea typeface="UD デジタル 教科書体 NP" panose="02020400000000000000" pitchFamily="18" charset="-128"/>
+              </a:rPr>
+              <a:t>図</a:t>
+            </a:r>
+            <a:r>
+              <a:rPr lang="en-US" altLang="ja-JP" sz="1200" dirty="0">
+                <a:latin typeface="UD デジタル 教科書体 NP" panose="02020400000000000000" pitchFamily="18" charset="-128"/>
+                <a:ea typeface="UD デジタル 教科書体 NP" panose="02020400000000000000" pitchFamily="18" charset="-128"/>
+              </a:rPr>
+              <a:t>2.1 </a:t>
+            </a:r>
+            <a:r>
+              <a:rPr lang="ja-JP" altLang="en-US" sz="1200" dirty="0">
+                <a:latin typeface="UD デジタル 教科書体 NP" panose="02020400000000000000" pitchFamily="18" charset="-128"/>
+                <a:ea typeface="UD デジタル 教科書体 NP" panose="02020400000000000000" pitchFamily="18" charset="-128"/>
+              </a:rPr>
+              <a:t>パッケージの役割</a:t>
+            </a:r>
+            <a:endParaRPr kumimoji="1" lang="ja-JP" altLang="en-US" sz="1200" dirty="0">
+              <a:latin typeface="UD デジタル 教科書体 NP" panose="02020400000000000000" pitchFamily="18" charset="-128"/>
+              <a:ea typeface="UD デジタル 教科書体 NP" panose="02020400000000000000" pitchFamily="18" charset="-128"/>
+            </a:endParaRPr>
+          </a:p>
+        </p:txBody>
+      </p:sp>
     </p:spTree>
     <p:extLst>
       <p:ext uri="{BB962C8B-B14F-4D97-AF65-F5344CB8AC3E}">

--- a/design/model/【モデル図】てなロボ★ぷらいまりぃ_2025.pptx
+++ b/design/model/【モデル図】てなロボ★ぷらいまりぃ_2025.pptx
@@ -10028,36 +10028,6 @@
           </a:prstGeom>
         </p:spPr>
       </p:pic>
-      <p:pic>
-        <p:nvPicPr>
-          <p:cNvPr id="5" name="図 4">
-            <a:extLst>
-              <a:ext uri="{FF2B5EF4-FFF2-40B4-BE49-F238E27FC236}">
-                <a16:creationId xmlns:a16="http://schemas.microsoft.com/office/drawing/2014/main" id="{6C305156-E43A-4005-F2EA-D8F17D3F877E}"/>
-              </a:ext>
-            </a:extLst>
-          </p:cNvPr>
-          <p:cNvPicPr>
-            <a:picLocks noChangeAspect="1"/>
-          </p:cNvPicPr>
-          <p:nvPr/>
-        </p:nvPicPr>
-        <p:blipFill>
-          <a:blip r:embed="rId3"/>
-          <a:stretch>
-            <a:fillRect/>
-          </a:stretch>
-        </p:blipFill>
-        <p:spPr>
-          <a:xfrm>
-            <a:off x="286865" y="4709598"/>
-            <a:ext cx="3906993" cy="3081260"/>
-          </a:xfrm>
-          <a:prstGeom prst="rect">
-            <a:avLst/>
-          </a:prstGeom>
-        </p:spPr>
-      </p:pic>
       <p:sp>
         <p:nvSpPr>
           <p:cNvPr id="31" name="Rectangle 3">
@@ -10598,7 +10568,7 @@
           <p:nvPr/>
         </p:nvPicPr>
         <p:blipFill>
-          <a:blip r:embed="rId4"/>
+          <a:blip r:embed="rId3"/>
           <a:stretch>
             <a:fillRect/>
           </a:stretch>
@@ -11263,7 +11233,7 @@
       </p:sp>
       <mc:AlternateContent xmlns:mc="http://schemas.openxmlformats.org/markup-compatibility/2006" xmlns:p14="http://schemas.microsoft.com/office/powerpoint/2010/main">
         <mc:Choice Requires="p14">
-          <p:contentPart p14:bwMode="auto" r:id="rId5">
+          <p:contentPart p14:bwMode="auto" r:id="rId4">
             <p14:nvContentPartPr>
               <p14:cNvPr id="34" name="インク 33">
                 <a:extLst>
@@ -11411,8 +11381,8 @@
         </p:nvSpPr>
         <p:spPr bwMode="auto">
           <a:xfrm>
-            <a:off x="4682155" y="652981"/>
-            <a:ext cx="10270311" cy="9937187"/>
+            <a:off x="4590515" y="652981"/>
+            <a:ext cx="10361951" cy="9937187"/>
           </a:xfrm>
           <a:prstGeom prst="rect">
             <a:avLst/>
@@ -11806,6 +11776,36 @@
           </a:p>
         </p:txBody>
       </p:sp>
+      <p:pic>
+        <p:nvPicPr>
+          <p:cNvPr id="3" name="図 2">
+            <a:extLst>
+              <a:ext uri="{FF2B5EF4-FFF2-40B4-BE49-F238E27FC236}">
+                <a16:creationId xmlns:a16="http://schemas.microsoft.com/office/drawing/2014/main" id="{36905B2E-734E-C534-8BB5-1DB43267E30E}"/>
+              </a:ext>
+            </a:extLst>
+          </p:cNvPr>
+          <p:cNvPicPr>
+            <a:picLocks noChangeAspect="1"/>
+          </p:cNvPicPr>
+          <p:nvPr/>
+        </p:nvPicPr>
+        <p:blipFill>
+          <a:blip r:embed="rId9"/>
+          <a:stretch>
+            <a:fillRect/>
+          </a:stretch>
+        </p:blipFill>
+        <p:spPr>
+          <a:xfrm>
+            <a:off x="459531" y="4843572"/>
+            <a:ext cx="3693516" cy="2864788"/>
+          </a:xfrm>
+          <a:prstGeom prst="rect">
+            <a:avLst/>
+          </a:prstGeom>
+        </p:spPr>
+      </p:pic>
     </p:spTree>
     <p:extLst>
       <p:ext uri="{BB962C8B-B14F-4D97-AF65-F5344CB8AC3E}">
